--- a/Atmoshere_and_websockets.pptx
+++ b/Atmoshere_and_websockets.pptx
@@ -5,19 +5,23 @@
     <p:sldMasterId id="2147483648" r:id="rId1"/>
   </p:sldMasterIdLst>
   <p:notesMasterIdLst>
-    <p:notesMasterId r:id="rId12"/>
+    <p:notesMasterId r:id="rId16"/>
   </p:notesMasterIdLst>
   <p:sldIdLst>
     <p:sldId id="256" r:id="rId2"/>
     <p:sldId id="257" r:id="rId3"/>
-    <p:sldId id="258" r:id="rId4"/>
+    <p:sldId id="271" r:id="rId4"/>
     <p:sldId id="259" r:id="rId5"/>
-    <p:sldId id="260" r:id="rId6"/>
-    <p:sldId id="261" r:id="rId7"/>
-    <p:sldId id="262" r:id="rId8"/>
-    <p:sldId id="265" r:id="rId9"/>
-    <p:sldId id="263" r:id="rId10"/>
-    <p:sldId id="264" r:id="rId11"/>
+    <p:sldId id="267" r:id="rId6"/>
+    <p:sldId id="272" r:id="rId7"/>
+    <p:sldId id="266" r:id="rId8"/>
+    <p:sldId id="269" r:id="rId9"/>
+    <p:sldId id="261" r:id="rId10"/>
+    <p:sldId id="270" r:id="rId11"/>
+    <p:sldId id="268" r:id="rId12"/>
+    <p:sldId id="265" r:id="rId13"/>
+    <p:sldId id="263" r:id="rId14"/>
+    <p:sldId id="264" r:id="rId15"/>
   </p:sldIdLst>
   <p:sldSz cx="9144000" cy="6858000" type="screen4x3"/>
   <p:notesSz cx="6858000" cy="9144000"/>
@@ -3569,6 +3573,13 @@
   <p:clrMapOvr>
     <a:masterClrMapping/>
   </p:clrMapOvr>
+  <p:timing>
+    <p:tnLst>
+      <p:par>
+        <p:cTn id="1" dur="indefinite" restart="never" nodeType="tmRoot"/>
+      </p:par>
+    </p:tnLst>
+  </p:timing>
 </p:sld>
 </file>
 
@@ -3591,7 +3602,7 @@
       </p:grpSpPr>
       <p:sp>
         <p:nvSpPr>
-          <p:cNvPr id="6" name="Title 5"/>
+          <p:cNvPr id="2" name="Title 1"/>
           <p:cNvSpPr>
             <a:spLocks noGrp="1"/>
           </p:cNvSpPr>
@@ -3605,12 +3616,8 @@
           <a:lstStyle/>
           <a:p>
             <a:r>
-              <a:rPr lang="en-US" dirty="0" err="1" smtClean="0"/>
-              <a:t>Eval</a:t>
-            </a:r>
-            <a:r>
               <a:rPr lang="en-US" dirty="0" smtClean="0"/>
-              <a:t> is not evil</a:t>
+              <a:t>Atmosphere framework</a:t>
             </a:r>
             <a:endParaRPr lang="en-US" dirty="0"/>
           </a:p>
@@ -3618,12 +3625,12 @@
       </p:sp>
       <p:sp>
         <p:nvSpPr>
-          <p:cNvPr id="7" name="Content Placeholder 6"/>
-          <p:cNvSpPr>
-            <a:spLocks noGrp="1"/>
-          </p:cNvSpPr>
-          <p:nvPr>
-            <p:ph idx="1"/>
+          <p:cNvPr id="4" name="Content Placeholder 3"/>
+          <p:cNvSpPr>
+            <a:spLocks noGrp="1"/>
+          </p:cNvSpPr>
+          <p:nvPr>
+            <p:ph sz="half" idx="1"/>
           </p:nvPr>
         </p:nvSpPr>
         <p:spPr/>
@@ -3631,31 +3638,60 @@
           <a:bodyPr/>
           <a:lstStyle/>
           <a:p>
+            <a:pPr>
+              <a:buFont typeface="Calibri" pitchFamily="34" charset="0"/>
+              <a:buChar char="+"/>
+            </a:pPr>
+            <a:r>
+              <a:rPr lang="en-US" b="1" dirty="0" smtClean="0"/>
+              <a:t>Uses multiple technologies and does fallback</a:t>
+            </a:r>
+          </a:p>
+          <a:p>
+            <a:pPr>
+              <a:buFont typeface="Calibri" pitchFamily="34" charset="0"/>
+              <a:buChar char="+"/>
+            </a:pPr>
             <a:r>
               <a:rPr lang="en-US" dirty="0" smtClean="0"/>
-              <a:t>Shortest calculator in browser’s address bar: </a:t>
-            </a:r>
-            <a:r>
-              <a:rPr lang="en-US" dirty="0" err="1" smtClean="0"/>
-              <a:t>javascript:alert</a:t>
-            </a:r>
+              <a:t>Open source (apache 2 license)</a:t>
+            </a:r>
+          </a:p>
+          <a:p>
+            <a:pPr>
+              <a:buFont typeface="Calibri" pitchFamily="34" charset="0"/>
+              <a:buChar char="+"/>
+            </a:pPr>
             <a:r>
               <a:rPr lang="en-US" dirty="0" smtClean="0"/>
-              <a:t>(</a:t>
-            </a:r>
-            <a:r>
-              <a:rPr lang="en-US" dirty="0" err="1" smtClean="0"/>
-              <a:t>eval</a:t>
-            </a:r>
+              <a:t>Simple maven dependency</a:t>
+            </a:r>
+            <a:endParaRPr lang="en-US" dirty="0"/>
+          </a:p>
+        </p:txBody>
+      </p:sp>
+      <p:sp>
+        <p:nvSpPr>
+          <p:cNvPr id="5" name="Content Placeholder 4"/>
+          <p:cNvSpPr>
+            <a:spLocks noGrp="1"/>
+          </p:cNvSpPr>
+          <p:nvPr>
+            <p:ph sz="half" idx="2"/>
+          </p:nvPr>
+        </p:nvSpPr>
+        <p:spPr/>
+        <p:txBody>
+          <a:bodyPr/>
+          <a:lstStyle/>
+          <a:p>
+            <a:pPr>
+              <a:buFont typeface="Calibri" pitchFamily="34" charset="0"/>
+              <a:buChar char="-"/>
+            </a:pPr>
             <a:r>
               <a:rPr lang="en-US" dirty="0" smtClean="0"/>
-              <a:t>(prompt()))</a:t>
-            </a:r>
-          </a:p>
-          <a:p>
-            <a:r>
-              <a:rPr lang="en-US" dirty="0" smtClean="0"/>
-              <a:t>Importing code on the fly via AJAX. Encryption, compression  and code cleanup is possible.</a:t>
+              <a:t>Not intended to get or post to ordinary web pages</a:t>
             </a:r>
             <a:endParaRPr lang="en-US" dirty="0"/>
           </a:p>
@@ -3666,6 +3702,1165 @@
   <p:clrMapOvr>
     <a:masterClrMapping/>
   </p:clrMapOvr>
+  <p:timing>
+    <p:tnLst>
+      <p:par>
+        <p:cTn id="1" dur="indefinite" restart="never" nodeType="tmRoot">
+          <p:childTnLst>
+            <p:seq concurrent="1" nextAc="seek">
+              <p:cTn id="2" dur="indefinite" nodeType="mainSeq">
+                <p:childTnLst>
+                  <p:par>
+                    <p:cTn id="3" fill="hold">
+                      <p:stCondLst>
+                        <p:cond delay="indefinite"/>
+                      </p:stCondLst>
+                      <p:childTnLst>
+                        <p:par>
+                          <p:cTn id="4" fill="hold">
+                            <p:stCondLst>
+                              <p:cond delay="0"/>
+                            </p:stCondLst>
+                            <p:childTnLst>
+                              <p:par>
+                                <p:cTn id="5" presetID="10" presetClass="entr" presetSubtype="0" fill="hold" grpId="0" nodeType="clickEffect">
+                                  <p:stCondLst>
+                                    <p:cond delay="0"/>
+                                  </p:stCondLst>
+                                  <p:childTnLst>
+                                    <p:set>
+                                      <p:cBhvr>
+                                        <p:cTn id="6" dur="1" fill="hold">
+                                          <p:stCondLst>
+                                            <p:cond delay="0"/>
+                                          </p:stCondLst>
+                                        </p:cTn>
+                                        <p:tgtEl>
+                                          <p:spTgt spid="4">
+                                            <p:txEl>
+                                              <p:pRg st="0" end="0"/>
+                                            </p:txEl>
+                                          </p:spTgt>
+                                        </p:tgtEl>
+                                        <p:attrNameLst>
+                                          <p:attrName>style.visibility</p:attrName>
+                                        </p:attrNameLst>
+                                      </p:cBhvr>
+                                      <p:to>
+                                        <p:strVal val="visible"/>
+                                      </p:to>
+                                    </p:set>
+                                    <p:animEffect transition="in" filter="fade">
+                                      <p:cBhvr>
+                                        <p:cTn id="7" dur="2000"/>
+                                        <p:tgtEl>
+                                          <p:spTgt spid="4">
+                                            <p:txEl>
+                                              <p:pRg st="0" end="0"/>
+                                            </p:txEl>
+                                          </p:spTgt>
+                                        </p:tgtEl>
+                                      </p:cBhvr>
+                                    </p:animEffect>
+                                  </p:childTnLst>
+                                </p:cTn>
+                              </p:par>
+                              <p:par>
+                                <p:cTn id="8" presetID="10" presetClass="entr" presetSubtype="0" fill="hold" grpId="0" nodeType="withEffect">
+                                  <p:stCondLst>
+                                    <p:cond delay="0"/>
+                                  </p:stCondLst>
+                                  <p:childTnLst>
+                                    <p:set>
+                                      <p:cBhvr>
+                                        <p:cTn id="9" dur="1" fill="hold">
+                                          <p:stCondLst>
+                                            <p:cond delay="0"/>
+                                          </p:stCondLst>
+                                        </p:cTn>
+                                        <p:tgtEl>
+                                          <p:spTgt spid="4">
+                                            <p:txEl>
+                                              <p:pRg st="1" end="1"/>
+                                            </p:txEl>
+                                          </p:spTgt>
+                                        </p:tgtEl>
+                                        <p:attrNameLst>
+                                          <p:attrName>style.visibility</p:attrName>
+                                        </p:attrNameLst>
+                                      </p:cBhvr>
+                                      <p:to>
+                                        <p:strVal val="visible"/>
+                                      </p:to>
+                                    </p:set>
+                                    <p:animEffect transition="in" filter="fade">
+                                      <p:cBhvr>
+                                        <p:cTn id="10" dur="2000"/>
+                                        <p:tgtEl>
+                                          <p:spTgt spid="4">
+                                            <p:txEl>
+                                              <p:pRg st="1" end="1"/>
+                                            </p:txEl>
+                                          </p:spTgt>
+                                        </p:tgtEl>
+                                      </p:cBhvr>
+                                    </p:animEffect>
+                                  </p:childTnLst>
+                                </p:cTn>
+                              </p:par>
+                              <p:par>
+                                <p:cTn id="11" presetID="10" presetClass="entr" presetSubtype="0" fill="hold" grpId="0" nodeType="withEffect">
+                                  <p:stCondLst>
+                                    <p:cond delay="0"/>
+                                  </p:stCondLst>
+                                  <p:childTnLst>
+                                    <p:set>
+                                      <p:cBhvr>
+                                        <p:cTn id="12" dur="1" fill="hold">
+                                          <p:stCondLst>
+                                            <p:cond delay="0"/>
+                                          </p:stCondLst>
+                                        </p:cTn>
+                                        <p:tgtEl>
+                                          <p:spTgt spid="4">
+                                            <p:txEl>
+                                              <p:pRg st="2" end="2"/>
+                                            </p:txEl>
+                                          </p:spTgt>
+                                        </p:tgtEl>
+                                        <p:attrNameLst>
+                                          <p:attrName>style.visibility</p:attrName>
+                                        </p:attrNameLst>
+                                      </p:cBhvr>
+                                      <p:to>
+                                        <p:strVal val="visible"/>
+                                      </p:to>
+                                    </p:set>
+                                    <p:animEffect transition="in" filter="fade">
+                                      <p:cBhvr>
+                                        <p:cTn id="13" dur="2000"/>
+                                        <p:tgtEl>
+                                          <p:spTgt spid="4">
+                                            <p:txEl>
+                                              <p:pRg st="2" end="2"/>
+                                            </p:txEl>
+                                          </p:spTgt>
+                                        </p:tgtEl>
+                                      </p:cBhvr>
+                                    </p:animEffect>
+                                  </p:childTnLst>
+                                </p:cTn>
+                              </p:par>
+                              <p:par>
+                                <p:cTn id="14" presetID="10" presetClass="entr" presetSubtype="0" fill="hold" grpId="0" nodeType="withEffect">
+                                  <p:stCondLst>
+                                    <p:cond delay="0"/>
+                                  </p:stCondLst>
+                                  <p:childTnLst>
+                                    <p:set>
+                                      <p:cBhvr>
+                                        <p:cTn id="15" dur="1" fill="hold">
+                                          <p:stCondLst>
+                                            <p:cond delay="0"/>
+                                          </p:stCondLst>
+                                        </p:cTn>
+                                        <p:tgtEl>
+                                          <p:spTgt spid="5">
+                                            <p:txEl>
+                                              <p:pRg st="0" end="0"/>
+                                            </p:txEl>
+                                          </p:spTgt>
+                                        </p:tgtEl>
+                                        <p:attrNameLst>
+                                          <p:attrName>style.visibility</p:attrName>
+                                        </p:attrNameLst>
+                                      </p:cBhvr>
+                                      <p:to>
+                                        <p:strVal val="visible"/>
+                                      </p:to>
+                                    </p:set>
+                                    <p:animEffect transition="in" filter="fade">
+                                      <p:cBhvr>
+                                        <p:cTn id="16" dur="2000"/>
+                                        <p:tgtEl>
+                                          <p:spTgt spid="5">
+                                            <p:txEl>
+                                              <p:pRg st="0" end="0"/>
+                                            </p:txEl>
+                                          </p:spTgt>
+                                        </p:tgtEl>
+                                      </p:cBhvr>
+                                    </p:animEffect>
+                                  </p:childTnLst>
+                                </p:cTn>
+                              </p:par>
+                            </p:childTnLst>
+                          </p:cTn>
+                        </p:par>
+                      </p:childTnLst>
+                    </p:cTn>
+                  </p:par>
+                </p:childTnLst>
+              </p:cTn>
+              <p:prevCondLst>
+                <p:cond evt="onPrev" delay="0">
+                  <p:tgtEl>
+                    <p:sldTgt/>
+                  </p:tgtEl>
+                </p:cond>
+              </p:prevCondLst>
+              <p:nextCondLst>
+                <p:cond evt="onNext" delay="0">
+                  <p:tgtEl>
+                    <p:sldTgt/>
+                  </p:tgtEl>
+                </p:cond>
+              </p:nextCondLst>
+            </p:seq>
+          </p:childTnLst>
+        </p:cTn>
+      </p:par>
+    </p:tnLst>
+    <p:bldLst>
+      <p:bldP spid="4" grpId="0" build="allAtOnce"/>
+    </p:bldLst>
+  </p:timing>
+</p:sld>
+</file>
+
+<file path=ppt/slides/slide11.xml><?xml version="1.0" encoding="utf-8"?>
+<p:sld xmlns:a="http://schemas.openxmlformats.org/drawingml/2006/main" xmlns:r="http://schemas.openxmlformats.org/officeDocument/2006/relationships" xmlns:p="http://schemas.openxmlformats.org/presentationml/2006/main">
+  <p:cSld>
+    <p:spTree>
+      <p:nvGrpSpPr>
+        <p:cNvPr id="1" name=""/>
+        <p:cNvGrpSpPr/>
+        <p:nvPr/>
+      </p:nvGrpSpPr>
+      <p:grpSpPr>
+        <a:xfrm>
+          <a:off x="0" y="0"/>
+          <a:ext cx="0" cy="0"/>
+          <a:chOff x="0" y="0"/>
+          <a:chExt cx="0" cy="0"/>
+        </a:xfrm>
+      </p:grpSpPr>
+      <p:sp>
+        <p:nvSpPr>
+          <p:cNvPr id="2" name="Title 1"/>
+          <p:cNvSpPr>
+            <a:spLocks noGrp="1"/>
+          </p:cNvSpPr>
+          <p:nvPr>
+            <p:ph type="title"/>
+          </p:nvPr>
+        </p:nvSpPr>
+        <p:spPr/>
+        <p:txBody>
+          <a:bodyPr/>
+          <a:lstStyle/>
+          <a:p>
+            <a:r>
+              <a:rPr lang="en-US" dirty="0" smtClean="0"/>
+              <a:t>Atmosphere </a:t>
+            </a:r>
+            <a:r>
+              <a:rPr lang="en-US" dirty="0" smtClean="0"/>
+              <a:t>framework (example)</a:t>
+            </a:r>
+            <a:endParaRPr lang="en-US" dirty="0"/>
+          </a:p>
+        </p:txBody>
+      </p:sp>
+      <p:sp>
+        <p:nvSpPr>
+          <p:cNvPr id="4" name="Rounded Rectangle 3"/>
+          <p:cNvSpPr/>
+          <p:nvPr/>
+        </p:nvSpPr>
+        <p:spPr>
+          <a:xfrm>
+            <a:off x="6172200" y="3200400"/>
+            <a:ext cx="1981200" cy="1524000"/>
+          </a:xfrm>
+          <a:prstGeom prst="roundRect">
+            <a:avLst/>
+          </a:prstGeom>
+        </p:spPr>
+        <p:style>
+          <a:lnRef idx="2">
+            <a:schemeClr val="accent1">
+              <a:shade val="50000"/>
+            </a:schemeClr>
+          </a:lnRef>
+          <a:fillRef idx="1">
+            <a:schemeClr val="accent1"/>
+          </a:fillRef>
+          <a:effectRef idx="0">
+            <a:schemeClr val="accent1"/>
+          </a:effectRef>
+          <a:fontRef idx="minor">
+            <a:schemeClr val="lt1"/>
+          </a:fontRef>
+        </p:style>
+        <p:txBody>
+          <a:bodyPr rtlCol="0" anchor="ctr"/>
+          <a:lstStyle/>
+          <a:p>
+            <a:pPr algn="ctr"/>
+            <a:r>
+              <a:rPr lang="en-US" dirty="0" smtClean="0"/>
+              <a:t>Atmosphere </a:t>
+            </a:r>
+            <a:r>
+              <a:rPr lang="en-US" dirty="0" err="1" smtClean="0"/>
+              <a:t>Servlet</a:t>
+            </a:r>
+            <a:endParaRPr lang="en-US" dirty="0"/>
+          </a:p>
+        </p:txBody>
+      </p:sp>
+      <p:sp>
+        <p:nvSpPr>
+          <p:cNvPr id="5" name="Rounded Rectangle 4"/>
+          <p:cNvSpPr/>
+          <p:nvPr/>
+        </p:nvSpPr>
+        <p:spPr>
+          <a:xfrm>
+            <a:off x="838200" y="3200400"/>
+            <a:ext cx="1447800" cy="1524000"/>
+          </a:xfrm>
+          <a:prstGeom prst="roundRect">
+            <a:avLst/>
+          </a:prstGeom>
+        </p:spPr>
+        <p:style>
+          <a:lnRef idx="2">
+            <a:schemeClr val="accent1">
+              <a:shade val="50000"/>
+            </a:schemeClr>
+          </a:lnRef>
+          <a:fillRef idx="1">
+            <a:schemeClr val="accent1"/>
+          </a:fillRef>
+          <a:effectRef idx="0">
+            <a:schemeClr val="accent1"/>
+          </a:effectRef>
+          <a:fontRef idx="minor">
+            <a:schemeClr val="lt1"/>
+          </a:fontRef>
+        </p:style>
+        <p:txBody>
+          <a:bodyPr rtlCol="0" anchor="ctr"/>
+          <a:lstStyle/>
+          <a:p>
+            <a:pPr algn="ctr"/>
+            <a:r>
+              <a:rPr lang="en-US" dirty="0" smtClean="0"/>
+              <a:t>Main</a:t>
+            </a:r>
+          </a:p>
+          <a:p>
+            <a:pPr algn="ctr"/>
+            <a:r>
+              <a:rPr lang="en-US" dirty="0" smtClean="0"/>
+              <a:t>page</a:t>
+            </a:r>
+            <a:endParaRPr lang="en-US" dirty="0"/>
+          </a:p>
+        </p:txBody>
+      </p:sp>
+      <p:sp>
+        <p:nvSpPr>
+          <p:cNvPr id="6" name="Rectangle 5"/>
+          <p:cNvSpPr/>
+          <p:nvPr/>
+        </p:nvSpPr>
+        <p:spPr>
+          <a:xfrm>
+            <a:off x="2362200" y="1905000"/>
+            <a:ext cx="3733800" cy="3505200"/>
+          </a:xfrm>
+          <a:prstGeom prst="rect">
+            <a:avLst/>
+          </a:prstGeom>
+        </p:spPr>
+        <p:style>
+          <a:lnRef idx="2">
+            <a:schemeClr val="dk1">
+              <a:shade val="50000"/>
+            </a:schemeClr>
+          </a:lnRef>
+          <a:fillRef idx="1">
+            <a:schemeClr val="dk1"/>
+          </a:fillRef>
+          <a:effectRef idx="0">
+            <a:schemeClr val="dk1"/>
+          </a:effectRef>
+          <a:fontRef idx="minor">
+            <a:schemeClr val="lt1"/>
+          </a:fontRef>
+        </p:style>
+        <p:txBody>
+          <a:bodyPr rtlCol="0" anchor="ctr"/>
+          <a:lstStyle/>
+          <a:p>
+            <a:pPr algn="ctr"/>
+            <a:r>
+              <a:rPr lang="en-US" sz="4800" dirty="0" smtClean="0"/>
+              <a:t>Atmosphere framework</a:t>
+            </a:r>
+            <a:endParaRPr lang="en-US" sz="4800" dirty="0"/>
+          </a:p>
+        </p:txBody>
+      </p:sp>
+    </p:spTree>
+  </p:cSld>
+  <p:clrMapOvr>
+    <a:masterClrMapping/>
+  </p:clrMapOvr>
+  <p:timing>
+    <p:tnLst>
+      <p:par>
+        <p:cTn id="1" dur="indefinite" restart="never" nodeType="tmRoot"/>
+      </p:par>
+    </p:tnLst>
+  </p:timing>
+</p:sld>
+</file>
+
+<file path=ppt/slides/slide12.xml><?xml version="1.0" encoding="utf-8"?>
+<p:sld xmlns:a="http://schemas.openxmlformats.org/drawingml/2006/main" xmlns:r="http://schemas.openxmlformats.org/officeDocument/2006/relationships" xmlns:p="http://schemas.openxmlformats.org/presentationml/2006/main">
+  <p:cSld>
+    <p:spTree>
+      <p:nvGrpSpPr>
+        <p:cNvPr id="1" name=""/>
+        <p:cNvGrpSpPr/>
+        <p:nvPr/>
+      </p:nvGrpSpPr>
+      <p:grpSpPr>
+        <a:xfrm>
+          <a:off x="0" y="0"/>
+          <a:ext cx="0" cy="0"/>
+          <a:chOff x="0" y="0"/>
+          <a:chExt cx="0" cy="0"/>
+        </a:xfrm>
+      </p:grpSpPr>
+      <p:sp>
+        <p:nvSpPr>
+          <p:cNvPr id="2" name="Title 1"/>
+          <p:cNvSpPr>
+            <a:spLocks noGrp="1"/>
+          </p:cNvSpPr>
+          <p:nvPr>
+            <p:ph type="title"/>
+          </p:nvPr>
+        </p:nvSpPr>
+        <p:spPr/>
+        <p:txBody>
+          <a:bodyPr/>
+          <a:lstStyle/>
+          <a:p>
+            <a:r>
+              <a:rPr lang="en-US" dirty="0" smtClean="0"/>
+              <a:t>Thanks for your attention</a:t>
+            </a:r>
+            <a:endParaRPr lang="en-US" dirty="0"/>
+          </a:p>
+        </p:txBody>
+      </p:sp>
+      <p:sp>
+        <p:nvSpPr>
+          <p:cNvPr id="3" name="Content Placeholder 2"/>
+          <p:cNvSpPr>
+            <a:spLocks noGrp="1"/>
+          </p:cNvSpPr>
+          <p:nvPr>
+            <p:ph idx="1"/>
+          </p:nvPr>
+        </p:nvSpPr>
+        <p:spPr/>
+        <p:txBody>
+          <a:bodyPr/>
+          <a:lstStyle/>
+          <a:p>
+            <a:r>
+              <a:rPr lang="en-US" dirty="0" smtClean="0"/>
+              <a:t>The examples are in </a:t>
+            </a:r>
+            <a:r>
+              <a:rPr lang="en-US" dirty="0" smtClean="0">
+                <a:hlinkClick r:id="rId2"/>
+              </a:rPr>
+              <a:t>https://</a:t>
+            </a:r>
+            <a:r>
+              <a:rPr lang="en-US" dirty="0" smtClean="0">
+                <a:hlinkClick r:id="rId2"/>
+              </a:rPr>
+              <a:t>github.com/valdisxp1/websockets_samples</a:t>
+            </a:r>
+            <a:endParaRPr lang="en-US" dirty="0" smtClean="0"/>
+          </a:p>
+          <a:p>
+            <a:r>
+              <a:rPr lang="en-US" dirty="0" smtClean="0"/>
+              <a:t>Any other questions?</a:t>
+            </a:r>
+            <a:endParaRPr lang="en-US" dirty="0"/>
+          </a:p>
+        </p:txBody>
+      </p:sp>
+    </p:spTree>
+  </p:cSld>
+  <p:clrMapOvr>
+    <a:masterClrMapping/>
+  </p:clrMapOvr>
+  <p:transition/>
+  <p:timing>
+    <p:tnLst>
+      <p:par>
+        <p:cTn id="1" dur="indefinite" restart="never" nodeType="tmRoot">
+          <p:childTnLst>
+            <p:seq concurrent="1" nextAc="seek">
+              <p:cTn id="2" dur="indefinite" nodeType="mainSeq">
+                <p:childTnLst>
+                  <p:par>
+                    <p:cTn id="3" fill="hold">
+                      <p:stCondLst>
+                        <p:cond delay="indefinite"/>
+                      </p:stCondLst>
+                      <p:childTnLst>
+                        <p:par>
+                          <p:cTn id="4" fill="hold">
+                            <p:stCondLst>
+                              <p:cond delay="0"/>
+                            </p:stCondLst>
+                            <p:childTnLst>
+                              <p:par>
+                                <p:cTn id="5" presetID="2" presetClass="entr" presetSubtype="4" fill="hold" grpId="0" nodeType="clickEffect">
+                                  <p:stCondLst>
+                                    <p:cond delay="0"/>
+                                  </p:stCondLst>
+                                  <p:childTnLst>
+                                    <p:set>
+                                      <p:cBhvr>
+                                        <p:cTn id="6" dur="1" fill="hold">
+                                          <p:stCondLst>
+                                            <p:cond delay="0"/>
+                                          </p:stCondLst>
+                                        </p:cTn>
+                                        <p:tgtEl>
+                                          <p:spTgt spid="3">
+                                            <p:txEl>
+                                              <p:pRg st="0" end="0"/>
+                                            </p:txEl>
+                                          </p:spTgt>
+                                        </p:tgtEl>
+                                        <p:attrNameLst>
+                                          <p:attrName>style.visibility</p:attrName>
+                                        </p:attrNameLst>
+                                      </p:cBhvr>
+                                      <p:to>
+                                        <p:strVal val="visible"/>
+                                      </p:to>
+                                    </p:set>
+                                    <p:anim calcmode="lin" valueType="num">
+                                      <p:cBhvr additive="base">
+                                        <p:cTn id="7" dur="500" fill="hold"/>
+                                        <p:tgtEl>
+                                          <p:spTgt spid="3">
+                                            <p:txEl>
+                                              <p:pRg st="0" end="0"/>
+                                            </p:txEl>
+                                          </p:spTgt>
+                                        </p:tgtEl>
+                                        <p:attrNameLst>
+                                          <p:attrName>ppt_x</p:attrName>
+                                        </p:attrNameLst>
+                                      </p:cBhvr>
+                                      <p:tavLst>
+                                        <p:tav tm="0">
+                                          <p:val>
+                                            <p:strVal val="#ppt_x"/>
+                                          </p:val>
+                                        </p:tav>
+                                        <p:tav tm="100000">
+                                          <p:val>
+                                            <p:strVal val="#ppt_x"/>
+                                          </p:val>
+                                        </p:tav>
+                                      </p:tavLst>
+                                    </p:anim>
+                                    <p:anim calcmode="lin" valueType="num">
+                                      <p:cBhvr additive="base">
+                                        <p:cTn id="8" dur="500" fill="hold"/>
+                                        <p:tgtEl>
+                                          <p:spTgt spid="3">
+                                            <p:txEl>
+                                              <p:pRg st="0" end="0"/>
+                                            </p:txEl>
+                                          </p:spTgt>
+                                        </p:tgtEl>
+                                        <p:attrNameLst>
+                                          <p:attrName>ppt_y</p:attrName>
+                                        </p:attrNameLst>
+                                      </p:cBhvr>
+                                      <p:tavLst>
+                                        <p:tav tm="0">
+                                          <p:val>
+                                            <p:strVal val="1+#ppt_h/2"/>
+                                          </p:val>
+                                        </p:tav>
+                                        <p:tav tm="100000">
+                                          <p:val>
+                                            <p:strVal val="#ppt_y"/>
+                                          </p:val>
+                                        </p:tav>
+                                      </p:tavLst>
+                                    </p:anim>
+                                  </p:childTnLst>
+                                </p:cTn>
+                              </p:par>
+                            </p:childTnLst>
+                          </p:cTn>
+                        </p:par>
+                      </p:childTnLst>
+                    </p:cTn>
+                  </p:par>
+                  <p:par>
+                    <p:cTn id="9" fill="hold">
+                      <p:stCondLst>
+                        <p:cond delay="indefinite"/>
+                      </p:stCondLst>
+                      <p:childTnLst>
+                        <p:par>
+                          <p:cTn id="10" fill="hold">
+                            <p:stCondLst>
+                              <p:cond delay="0"/>
+                            </p:stCondLst>
+                            <p:childTnLst>
+                              <p:par>
+                                <p:cTn id="11" presetID="2" presetClass="entr" presetSubtype="4" fill="hold" grpId="0" nodeType="clickEffect">
+                                  <p:stCondLst>
+                                    <p:cond delay="0"/>
+                                  </p:stCondLst>
+                                  <p:childTnLst>
+                                    <p:set>
+                                      <p:cBhvr>
+                                        <p:cTn id="12" dur="1" fill="hold">
+                                          <p:stCondLst>
+                                            <p:cond delay="0"/>
+                                          </p:stCondLst>
+                                        </p:cTn>
+                                        <p:tgtEl>
+                                          <p:spTgt spid="3">
+                                            <p:txEl>
+                                              <p:pRg st="1" end="1"/>
+                                            </p:txEl>
+                                          </p:spTgt>
+                                        </p:tgtEl>
+                                        <p:attrNameLst>
+                                          <p:attrName>style.visibility</p:attrName>
+                                        </p:attrNameLst>
+                                      </p:cBhvr>
+                                      <p:to>
+                                        <p:strVal val="visible"/>
+                                      </p:to>
+                                    </p:set>
+                                    <p:anim calcmode="lin" valueType="num">
+                                      <p:cBhvr additive="base">
+                                        <p:cTn id="13" dur="500" fill="hold"/>
+                                        <p:tgtEl>
+                                          <p:spTgt spid="3">
+                                            <p:txEl>
+                                              <p:pRg st="1" end="1"/>
+                                            </p:txEl>
+                                          </p:spTgt>
+                                        </p:tgtEl>
+                                        <p:attrNameLst>
+                                          <p:attrName>ppt_x</p:attrName>
+                                        </p:attrNameLst>
+                                      </p:cBhvr>
+                                      <p:tavLst>
+                                        <p:tav tm="0">
+                                          <p:val>
+                                            <p:strVal val="#ppt_x"/>
+                                          </p:val>
+                                        </p:tav>
+                                        <p:tav tm="100000">
+                                          <p:val>
+                                            <p:strVal val="#ppt_x"/>
+                                          </p:val>
+                                        </p:tav>
+                                      </p:tavLst>
+                                    </p:anim>
+                                    <p:anim calcmode="lin" valueType="num">
+                                      <p:cBhvr additive="base">
+                                        <p:cTn id="14" dur="500" fill="hold"/>
+                                        <p:tgtEl>
+                                          <p:spTgt spid="3">
+                                            <p:txEl>
+                                              <p:pRg st="1" end="1"/>
+                                            </p:txEl>
+                                          </p:spTgt>
+                                        </p:tgtEl>
+                                        <p:attrNameLst>
+                                          <p:attrName>ppt_y</p:attrName>
+                                        </p:attrNameLst>
+                                      </p:cBhvr>
+                                      <p:tavLst>
+                                        <p:tav tm="0">
+                                          <p:val>
+                                            <p:strVal val="1+#ppt_h/2"/>
+                                          </p:val>
+                                        </p:tav>
+                                        <p:tav tm="100000">
+                                          <p:val>
+                                            <p:strVal val="#ppt_y"/>
+                                          </p:val>
+                                        </p:tav>
+                                      </p:tavLst>
+                                    </p:anim>
+                                  </p:childTnLst>
+                                </p:cTn>
+                              </p:par>
+                            </p:childTnLst>
+                          </p:cTn>
+                        </p:par>
+                      </p:childTnLst>
+                    </p:cTn>
+                  </p:par>
+                </p:childTnLst>
+              </p:cTn>
+              <p:prevCondLst>
+                <p:cond evt="onPrev" delay="0">
+                  <p:tgtEl>
+                    <p:sldTgt/>
+                  </p:tgtEl>
+                </p:cond>
+              </p:prevCondLst>
+              <p:nextCondLst>
+                <p:cond evt="onNext" delay="0">
+                  <p:tgtEl>
+                    <p:sldTgt/>
+                  </p:tgtEl>
+                </p:cond>
+              </p:nextCondLst>
+            </p:seq>
+          </p:childTnLst>
+        </p:cTn>
+      </p:par>
+    </p:tnLst>
+    <p:bldLst>
+      <p:bldP spid="3" grpId="0" build="p"/>
+    </p:bldLst>
+  </p:timing>
+</p:sld>
+</file>
+
+<file path=ppt/slides/slide13.xml><?xml version="1.0" encoding="utf-8"?>
+<p:sld xmlns:a="http://schemas.openxmlformats.org/drawingml/2006/main" xmlns:r="http://schemas.openxmlformats.org/officeDocument/2006/relationships" xmlns:p="http://schemas.openxmlformats.org/presentationml/2006/main" show="0">
+  <p:cSld>
+    <p:spTree>
+      <p:nvGrpSpPr>
+        <p:cNvPr id="1" name=""/>
+        <p:cNvGrpSpPr/>
+        <p:nvPr/>
+      </p:nvGrpSpPr>
+      <p:grpSpPr>
+        <a:xfrm>
+          <a:off x="0" y="0"/>
+          <a:ext cx="0" cy="0"/>
+          <a:chOff x="0" y="0"/>
+          <a:chExt cx="0" cy="0"/>
+        </a:xfrm>
+      </p:grpSpPr>
+      <p:sp>
+        <p:nvSpPr>
+          <p:cNvPr id="4" name="Title 3"/>
+          <p:cNvSpPr>
+            <a:spLocks noGrp="1"/>
+          </p:cNvSpPr>
+          <p:nvPr>
+            <p:ph type="title"/>
+          </p:nvPr>
+        </p:nvSpPr>
+        <p:spPr/>
+        <p:txBody>
+          <a:bodyPr/>
+          <a:lstStyle/>
+          <a:p>
+            <a:r>
+              <a:rPr lang="en-US" dirty="0" smtClean="0"/>
+              <a:t>Filler slides</a:t>
+            </a:r>
+            <a:endParaRPr lang="en-US" dirty="0"/>
+          </a:p>
+        </p:txBody>
+      </p:sp>
+      <p:sp>
+        <p:nvSpPr>
+          <p:cNvPr id="5" name="Text Placeholder 4"/>
+          <p:cNvSpPr>
+            <a:spLocks noGrp="1"/>
+          </p:cNvSpPr>
+          <p:nvPr>
+            <p:ph type="body" idx="1"/>
+          </p:nvPr>
+        </p:nvSpPr>
+        <p:spPr/>
+        <p:txBody>
+          <a:bodyPr/>
+          <a:lstStyle/>
+          <a:p>
+            <a:endParaRPr lang="en-US" dirty="0"/>
+          </a:p>
+        </p:txBody>
+      </p:sp>
+    </p:spTree>
+  </p:cSld>
+  <p:clrMapOvr>
+    <a:masterClrMapping/>
+  </p:clrMapOvr>
+  <p:transition/>
+</p:sld>
+</file>
+
+<file path=ppt/slides/slide14.xml><?xml version="1.0" encoding="utf-8"?>
+<p:sld xmlns:a="http://schemas.openxmlformats.org/drawingml/2006/main" xmlns:r="http://schemas.openxmlformats.org/officeDocument/2006/relationships" xmlns:p="http://schemas.openxmlformats.org/presentationml/2006/main">
+  <p:cSld>
+    <p:spTree>
+      <p:nvGrpSpPr>
+        <p:cNvPr id="1" name=""/>
+        <p:cNvGrpSpPr/>
+        <p:nvPr/>
+      </p:nvGrpSpPr>
+      <p:grpSpPr>
+        <a:xfrm>
+          <a:off x="0" y="0"/>
+          <a:ext cx="0" cy="0"/>
+          <a:chOff x="0" y="0"/>
+          <a:chExt cx="0" cy="0"/>
+        </a:xfrm>
+      </p:grpSpPr>
+      <p:sp>
+        <p:nvSpPr>
+          <p:cNvPr id="6" name="Title 5"/>
+          <p:cNvSpPr>
+            <a:spLocks noGrp="1"/>
+          </p:cNvSpPr>
+          <p:nvPr>
+            <p:ph type="title"/>
+          </p:nvPr>
+        </p:nvSpPr>
+        <p:spPr/>
+        <p:txBody>
+          <a:bodyPr/>
+          <a:lstStyle/>
+          <a:p>
+            <a:r>
+              <a:rPr lang="en-US" dirty="0" err="1" smtClean="0"/>
+              <a:t>Eval</a:t>
+            </a:r>
+            <a:r>
+              <a:rPr lang="en-US" dirty="0" smtClean="0"/>
+              <a:t> is not evil</a:t>
+            </a:r>
+            <a:endParaRPr lang="en-US" dirty="0"/>
+          </a:p>
+        </p:txBody>
+      </p:sp>
+      <p:sp>
+        <p:nvSpPr>
+          <p:cNvPr id="7" name="Content Placeholder 6"/>
+          <p:cNvSpPr>
+            <a:spLocks noGrp="1"/>
+          </p:cNvSpPr>
+          <p:nvPr>
+            <p:ph idx="1"/>
+          </p:nvPr>
+        </p:nvSpPr>
+        <p:spPr/>
+        <p:txBody>
+          <a:bodyPr/>
+          <a:lstStyle/>
+          <a:p>
+            <a:r>
+              <a:rPr lang="en-US" dirty="0" smtClean="0"/>
+              <a:t>Shortest calculator in browser’s address bar: </a:t>
+            </a:r>
+            <a:r>
+              <a:rPr lang="en-US" dirty="0" err="1" smtClean="0"/>
+              <a:t>javascript:alert</a:t>
+            </a:r>
+            <a:r>
+              <a:rPr lang="en-US" dirty="0" smtClean="0"/>
+              <a:t>(</a:t>
+            </a:r>
+            <a:r>
+              <a:rPr lang="en-US" dirty="0" err="1" smtClean="0"/>
+              <a:t>eval</a:t>
+            </a:r>
+            <a:r>
+              <a:rPr lang="en-US" dirty="0" smtClean="0"/>
+              <a:t>(prompt()))</a:t>
+            </a:r>
+          </a:p>
+          <a:p>
+            <a:r>
+              <a:rPr lang="en-US" dirty="0" smtClean="0"/>
+              <a:t>Importing code on the fly via AJAX. Encryption, compression  and code cleanup is possible.</a:t>
+            </a:r>
+            <a:endParaRPr lang="en-US" dirty="0"/>
+          </a:p>
+        </p:txBody>
+      </p:sp>
+    </p:spTree>
+  </p:cSld>
+  <p:clrMapOvr>
+    <a:masterClrMapping/>
+  </p:clrMapOvr>
+  <p:timing>
+    <p:tnLst>
+      <p:par>
+        <p:cTn id="1" dur="indefinite" restart="never" nodeType="tmRoot">
+          <p:childTnLst>
+            <p:seq concurrent="1" nextAc="seek">
+              <p:cTn id="2" dur="indefinite" nodeType="mainSeq">
+                <p:childTnLst>
+                  <p:par>
+                    <p:cTn id="3" fill="hold">
+                      <p:stCondLst>
+                        <p:cond delay="indefinite"/>
+                      </p:stCondLst>
+                      <p:childTnLst>
+                        <p:par>
+                          <p:cTn id="4" fill="hold">
+                            <p:stCondLst>
+                              <p:cond delay="0"/>
+                            </p:stCondLst>
+                            <p:childTnLst>
+                              <p:par>
+                                <p:cTn id="5" presetID="2" presetClass="entr" presetSubtype="4" fill="hold" grpId="0" nodeType="clickEffect">
+                                  <p:stCondLst>
+                                    <p:cond delay="0"/>
+                                  </p:stCondLst>
+                                  <p:childTnLst>
+                                    <p:set>
+                                      <p:cBhvr>
+                                        <p:cTn id="6" dur="1" fill="hold">
+                                          <p:stCondLst>
+                                            <p:cond delay="0"/>
+                                          </p:stCondLst>
+                                        </p:cTn>
+                                        <p:tgtEl>
+                                          <p:spTgt spid="7">
+                                            <p:txEl>
+                                              <p:pRg st="0" end="0"/>
+                                            </p:txEl>
+                                          </p:spTgt>
+                                        </p:tgtEl>
+                                        <p:attrNameLst>
+                                          <p:attrName>style.visibility</p:attrName>
+                                        </p:attrNameLst>
+                                      </p:cBhvr>
+                                      <p:to>
+                                        <p:strVal val="visible"/>
+                                      </p:to>
+                                    </p:set>
+                                    <p:anim calcmode="lin" valueType="num">
+                                      <p:cBhvr additive="base">
+                                        <p:cTn id="7" dur="500" fill="hold"/>
+                                        <p:tgtEl>
+                                          <p:spTgt spid="7">
+                                            <p:txEl>
+                                              <p:pRg st="0" end="0"/>
+                                            </p:txEl>
+                                          </p:spTgt>
+                                        </p:tgtEl>
+                                        <p:attrNameLst>
+                                          <p:attrName>ppt_x</p:attrName>
+                                        </p:attrNameLst>
+                                      </p:cBhvr>
+                                      <p:tavLst>
+                                        <p:tav tm="0">
+                                          <p:val>
+                                            <p:strVal val="#ppt_x"/>
+                                          </p:val>
+                                        </p:tav>
+                                        <p:tav tm="100000">
+                                          <p:val>
+                                            <p:strVal val="#ppt_x"/>
+                                          </p:val>
+                                        </p:tav>
+                                      </p:tavLst>
+                                    </p:anim>
+                                    <p:anim calcmode="lin" valueType="num">
+                                      <p:cBhvr additive="base">
+                                        <p:cTn id="8" dur="500" fill="hold"/>
+                                        <p:tgtEl>
+                                          <p:spTgt spid="7">
+                                            <p:txEl>
+                                              <p:pRg st="0" end="0"/>
+                                            </p:txEl>
+                                          </p:spTgt>
+                                        </p:tgtEl>
+                                        <p:attrNameLst>
+                                          <p:attrName>ppt_y</p:attrName>
+                                        </p:attrNameLst>
+                                      </p:cBhvr>
+                                      <p:tavLst>
+                                        <p:tav tm="0">
+                                          <p:val>
+                                            <p:strVal val="1+#ppt_h/2"/>
+                                          </p:val>
+                                        </p:tav>
+                                        <p:tav tm="100000">
+                                          <p:val>
+                                            <p:strVal val="#ppt_y"/>
+                                          </p:val>
+                                        </p:tav>
+                                      </p:tavLst>
+                                    </p:anim>
+                                  </p:childTnLst>
+                                </p:cTn>
+                              </p:par>
+                            </p:childTnLst>
+                          </p:cTn>
+                        </p:par>
+                      </p:childTnLst>
+                    </p:cTn>
+                  </p:par>
+                  <p:par>
+                    <p:cTn id="9" fill="hold">
+                      <p:stCondLst>
+                        <p:cond delay="indefinite"/>
+                      </p:stCondLst>
+                      <p:childTnLst>
+                        <p:par>
+                          <p:cTn id="10" fill="hold">
+                            <p:stCondLst>
+                              <p:cond delay="0"/>
+                            </p:stCondLst>
+                            <p:childTnLst>
+                              <p:par>
+                                <p:cTn id="11" presetID="2" presetClass="entr" presetSubtype="4" fill="hold" grpId="0" nodeType="clickEffect">
+                                  <p:stCondLst>
+                                    <p:cond delay="0"/>
+                                  </p:stCondLst>
+                                  <p:childTnLst>
+                                    <p:set>
+                                      <p:cBhvr>
+                                        <p:cTn id="12" dur="1" fill="hold">
+                                          <p:stCondLst>
+                                            <p:cond delay="0"/>
+                                          </p:stCondLst>
+                                        </p:cTn>
+                                        <p:tgtEl>
+                                          <p:spTgt spid="7">
+                                            <p:txEl>
+                                              <p:pRg st="1" end="1"/>
+                                            </p:txEl>
+                                          </p:spTgt>
+                                        </p:tgtEl>
+                                        <p:attrNameLst>
+                                          <p:attrName>style.visibility</p:attrName>
+                                        </p:attrNameLst>
+                                      </p:cBhvr>
+                                      <p:to>
+                                        <p:strVal val="visible"/>
+                                      </p:to>
+                                    </p:set>
+                                    <p:anim calcmode="lin" valueType="num">
+                                      <p:cBhvr additive="base">
+                                        <p:cTn id="13" dur="500" fill="hold"/>
+                                        <p:tgtEl>
+                                          <p:spTgt spid="7">
+                                            <p:txEl>
+                                              <p:pRg st="1" end="1"/>
+                                            </p:txEl>
+                                          </p:spTgt>
+                                        </p:tgtEl>
+                                        <p:attrNameLst>
+                                          <p:attrName>ppt_x</p:attrName>
+                                        </p:attrNameLst>
+                                      </p:cBhvr>
+                                      <p:tavLst>
+                                        <p:tav tm="0">
+                                          <p:val>
+                                            <p:strVal val="#ppt_x"/>
+                                          </p:val>
+                                        </p:tav>
+                                        <p:tav tm="100000">
+                                          <p:val>
+                                            <p:strVal val="#ppt_x"/>
+                                          </p:val>
+                                        </p:tav>
+                                      </p:tavLst>
+                                    </p:anim>
+                                    <p:anim calcmode="lin" valueType="num">
+                                      <p:cBhvr additive="base">
+                                        <p:cTn id="14" dur="500" fill="hold"/>
+                                        <p:tgtEl>
+                                          <p:spTgt spid="7">
+                                            <p:txEl>
+                                              <p:pRg st="1" end="1"/>
+                                            </p:txEl>
+                                          </p:spTgt>
+                                        </p:tgtEl>
+                                        <p:attrNameLst>
+                                          <p:attrName>ppt_y</p:attrName>
+                                        </p:attrNameLst>
+                                      </p:cBhvr>
+                                      <p:tavLst>
+                                        <p:tav tm="0">
+                                          <p:val>
+                                            <p:strVal val="1+#ppt_h/2"/>
+                                          </p:val>
+                                        </p:tav>
+                                        <p:tav tm="100000">
+                                          <p:val>
+                                            <p:strVal val="#ppt_y"/>
+                                          </p:val>
+                                        </p:tav>
+                                      </p:tavLst>
+                                    </p:anim>
+                                  </p:childTnLst>
+                                </p:cTn>
+                              </p:par>
+                            </p:childTnLst>
+                          </p:cTn>
+                        </p:par>
+                      </p:childTnLst>
+                    </p:cTn>
+                  </p:par>
+                </p:childTnLst>
+              </p:cTn>
+              <p:prevCondLst>
+                <p:cond evt="onPrev" delay="0">
+                  <p:tgtEl>
+                    <p:sldTgt/>
+                  </p:tgtEl>
+                </p:cond>
+              </p:prevCondLst>
+              <p:nextCondLst>
+                <p:cond evt="onNext" delay="0">
+                  <p:tgtEl>
+                    <p:sldTgt/>
+                  </p:tgtEl>
+                </p:cond>
+              </p:nextCondLst>
+            </p:seq>
+          </p:childTnLst>
+        </p:cTn>
+      </p:par>
+    </p:tnLst>
+    <p:bldLst>
+      <p:bldP spid="7" grpId="0" build="p"/>
+    </p:bldLst>
+  </p:timing>
 </p:sld>
 </file>
 
@@ -3703,7 +4898,7 @@
           <a:p>
             <a:r>
               <a:rPr lang="en-US" dirty="0" smtClean="0"/>
-              <a:t>The problem</a:t>
+              <a:t>The problem for examples</a:t>
             </a:r>
             <a:endParaRPr lang="en-US" dirty="0"/>
           </a:p>
@@ -3724,7 +4919,32 @@
           <a:bodyPr/>
           <a:lstStyle/>
           <a:p>
-            <a:endParaRPr lang="en-US" dirty="0"/>
+            <a:r>
+              <a:rPr lang="en-US" dirty="0" smtClean="0"/>
+              <a:t>In a web-based game multiple users(players) can control objects(characters) on shared screen.</a:t>
+            </a:r>
+          </a:p>
+          <a:p>
+            <a:pPr lvl="1"/>
+            <a:r>
+              <a:rPr lang="en-US" dirty="0" smtClean="0"/>
+              <a:t>An object can change direction at any time.</a:t>
+            </a:r>
+          </a:p>
+          <a:p>
+            <a:pPr lvl="1"/>
+            <a:r>
+              <a:rPr lang="en-US" dirty="0" smtClean="0"/>
+              <a:t>The users must get the new direction changes </a:t>
+            </a:r>
+            <a:r>
+              <a:rPr lang="en-US" dirty="0" err="1" smtClean="0"/>
+              <a:t>asap</a:t>
+            </a:r>
+            <a:r>
+              <a:rPr lang="en-US" dirty="0" smtClean="0"/>
+              <a:t>.</a:t>
+            </a:r>
           </a:p>
         </p:txBody>
       </p:sp>
@@ -3733,6 +4953,13 @@
   <p:clrMapOvr>
     <a:masterClrMapping/>
   </p:clrMapOvr>
+  <p:timing>
+    <p:tnLst>
+      <p:par>
+        <p:cTn id="1" dur="indefinite" restart="never" nodeType="tmRoot"/>
+      </p:par>
+    </p:tnLst>
+  </p:timing>
 </p:sld>
 </file>
 
@@ -3770,15 +4997,7 @@
           <a:p>
             <a:r>
               <a:rPr lang="en-US" dirty="0" smtClean="0"/>
-              <a:t>the </a:t>
-            </a:r>
-            <a:r>
-              <a:rPr lang="en-US" dirty="0" err="1" smtClean="0"/>
-              <a:t>Iframe</a:t>
-            </a:r>
-            <a:r>
-              <a:rPr lang="en-US" dirty="0" smtClean="0"/>
-              <a:t> trick</a:t>
+              <a:t>HTTP</a:t>
             </a:r>
             <a:endParaRPr lang="en-US" dirty="0"/>
           </a:p>
@@ -3844,8 +5063,16 @@
           <a:lstStyle/>
           <a:p>
             <a:r>
-              <a:rPr lang="lv-LV" dirty="0" smtClean="0"/>
-              <a:t>AJAX</a:t>
+              <a:rPr lang="en-US" dirty="0" smtClean="0"/>
+              <a:t>the </a:t>
+            </a:r>
+            <a:r>
+              <a:rPr lang="en-US" dirty="0" err="1" smtClean="0"/>
+              <a:t>Iframe</a:t>
+            </a:r>
+            <a:r>
+              <a:rPr lang="en-US" dirty="0" smtClean="0"/>
+              <a:t> trick</a:t>
             </a:r>
             <a:endParaRPr lang="en-US" dirty="0"/>
           </a:p>
@@ -3853,12 +5080,12 @@
       </p:sp>
       <p:sp>
         <p:nvSpPr>
-          <p:cNvPr id="3" name="Content Placeholder 2"/>
-          <p:cNvSpPr>
-            <a:spLocks noGrp="1"/>
-          </p:cNvSpPr>
-          <p:nvPr>
-            <p:ph idx="1"/>
+          <p:cNvPr id="4" name="Content Placeholder 3"/>
+          <p:cNvSpPr>
+            <a:spLocks noGrp="1"/>
+          </p:cNvSpPr>
+          <p:nvPr>
+            <p:ph sz="half" idx="1"/>
           </p:nvPr>
         </p:nvSpPr>
         <p:spPr/>
@@ -3866,6 +5093,69 @@
           <a:bodyPr/>
           <a:lstStyle/>
           <a:p>
+            <a:pPr>
+              <a:buFont typeface="Calibri" pitchFamily="34" charset="0"/>
+              <a:buChar char="+"/>
+            </a:pPr>
+            <a:r>
+              <a:rPr lang="en-US" dirty="0" smtClean="0"/>
+              <a:t>Hey, it works</a:t>
+            </a:r>
+            <a:endParaRPr lang="en-US" dirty="0"/>
+          </a:p>
+        </p:txBody>
+      </p:sp>
+      <p:sp>
+        <p:nvSpPr>
+          <p:cNvPr id="5" name="Content Placeholder 4"/>
+          <p:cNvSpPr>
+            <a:spLocks noGrp="1"/>
+          </p:cNvSpPr>
+          <p:nvPr>
+            <p:ph sz="half" idx="2"/>
+          </p:nvPr>
+        </p:nvSpPr>
+        <p:spPr/>
+        <p:txBody>
+          <a:bodyPr/>
+          <a:lstStyle/>
+          <a:p>
+            <a:pPr>
+              <a:buFont typeface="Calibri" pitchFamily="34" charset="0"/>
+              <a:buChar char="-"/>
+            </a:pPr>
+            <a:r>
+              <a:rPr lang="en-US" dirty="0" smtClean="0"/>
+              <a:t>Needs either a </a:t>
+            </a:r>
+            <a:r>
+              <a:rPr lang="en-US" dirty="0" err="1" smtClean="0"/>
+              <a:t>javascript</a:t>
+            </a:r>
+            <a:r>
+              <a:rPr lang="en-US" dirty="0" smtClean="0"/>
+              <a:t> injection or a refresh loop</a:t>
+            </a:r>
+          </a:p>
+          <a:p>
+            <a:pPr>
+              <a:buFont typeface="Calibri" pitchFamily="34" charset="0"/>
+              <a:buChar char="-"/>
+            </a:pPr>
+            <a:r>
+              <a:rPr lang="en-US" dirty="0" smtClean="0"/>
+              <a:t>The browser shows as refreshing and cancel breaks everything</a:t>
+            </a:r>
+          </a:p>
+          <a:p>
+            <a:pPr>
+              <a:buFont typeface="Calibri" pitchFamily="34" charset="0"/>
+              <a:buChar char="-"/>
+            </a:pPr>
+            <a:r>
+              <a:rPr lang="en-US" smtClean="0"/>
+              <a:t>Relative </a:t>
+            </a:r>
             <a:endParaRPr lang="en-US" dirty="0"/>
           </a:p>
         </p:txBody>
@@ -3875,6 +5165,230 @@
   <p:clrMapOvr>
     <a:masterClrMapping/>
   </p:clrMapOvr>
+  <p:timing>
+    <p:tnLst>
+      <p:par>
+        <p:cTn id="1" dur="indefinite" restart="never" nodeType="tmRoot">
+          <p:childTnLst>
+            <p:seq concurrent="1" nextAc="seek">
+              <p:cTn id="2" dur="indefinite" nodeType="mainSeq">
+                <p:childTnLst>
+                  <p:par>
+                    <p:cTn id="3" fill="hold">
+                      <p:stCondLst>
+                        <p:cond delay="indefinite"/>
+                      </p:stCondLst>
+                      <p:childTnLst>
+                        <p:par>
+                          <p:cTn id="4" fill="hold">
+                            <p:stCondLst>
+                              <p:cond delay="0"/>
+                            </p:stCondLst>
+                            <p:childTnLst>
+                              <p:par>
+                                <p:cTn id="5" presetID="10" presetClass="entr" presetSubtype="0" fill="hold" grpId="0" nodeType="clickEffect">
+                                  <p:stCondLst>
+                                    <p:cond delay="0"/>
+                                  </p:stCondLst>
+                                  <p:childTnLst>
+                                    <p:set>
+                                      <p:cBhvr>
+                                        <p:cTn id="6" dur="1" fill="hold">
+                                          <p:stCondLst>
+                                            <p:cond delay="0"/>
+                                          </p:stCondLst>
+                                        </p:cTn>
+                                        <p:tgtEl>
+                                          <p:spTgt spid="4">
+                                            <p:txEl>
+                                              <p:pRg st="0" end="0"/>
+                                            </p:txEl>
+                                          </p:spTgt>
+                                        </p:tgtEl>
+                                        <p:attrNameLst>
+                                          <p:attrName>style.visibility</p:attrName>
+                                        </p:attrNameLst>
+                                      </p:cBhvr>
+                                      <p:to>
+                                        <p:strVal val="visible"/>
+                                      </p:to>
+                                    </p:set>
+                                    <p:animEffect transition="in" filter="fade">
+                                      <p:cBhvr>
+                                        <p:cTn id="7" dur="2000"/>
+                                        <p:tgtEl>
+                                          <p:spTgt spid="4">
+                                            <p:txEl>
+                                              <p:pRg st="0" end="0"/>
+                                            </p:txEl>
+                                          </p:spTgt>
+                                        </p:tgtEl>
+                                      </p:cBhvr>
+                                    </p:animEffect>
+                                  </p:childTnLst>
+                                </p:cTn>
+                              </p:par>
+                              <p:par>
+                                <p:cTn id="8" presetID="10" presetClass="entr" presetSubtype="0" fill="hold" grpId="0" nodeType="withEffect">
+                                  <p:stCondLst>
+                                    <p:cond delay="0"/>
+                                  </p:stCondLst>
+                                  <p:childTnLst>
+                                    <p:set>
+                                      <p:cBhvr>
+                                        <p:cTn id="9" dur="1" fill="hold">
+                                          <p:stCondLst>
+                                            <p:cond delay="0"/>
+                                          </p:stCondLst>
+                                        </p:cTn>
+                                        <p:tgtEl>
+                                          <p:spTgt spid="5">
+                                            <p:txEl>
+                                              <p:pRg st="0" end="0"/>
+                                            </p:txEl>
+                                          </p:spTgt>
+                                        </p:tgtEl>
+                                        <p:attrNameLst>
+                                          <p:attrName>style.visibility</p:attrName>
+                                        </p:attrNameLst>
+                                      </p:cBhvr>
+                                      <p:to>
+                                        <p:strVal val="visible"/>
+                                      </p:to>
+                                    </p:set>
+                                    <p:animEffect transition="in" filter="fade">
+                                      <p:cBhvr>
+                                        <p:cTn id="10" dur="2000"/>
+                                        <p:tgtEl>
+                                          <p:spTgt spid="5">
+                                            <p:txEl>
+                                              <p:pRg st="0" end="0"/>
+                                            </p:txEl>
+                                          </p:spTgt>
+                                        </p:tgtEl>
+                                      </p:cBhvr>
+                                    </p:animEffect>
+                                  </p:childTnLst>
+                                </p:cTn>
+                              </p:par>
+                              <p:par>
+                                <p:cTn id="11" presetID="10" presetClass="entr" presetSubtype="0" fill="hold" grpId="0" nodeType="withEffect">
+                                  <p:stCondLst>
+                                    <p:cond delay="0"/>
+                                  </p:stCondLst>
+                                  <p:childTnLst>
+                                    <p:set>
+                                      <p:cBhvr>
+                                        <p:cTn id="12" dur="1" fill="hold">
+                                          <p:stCondLst>
+                                            <p:cond delay="0"/>
+                                          </p:stCondLst>
+                                        </p:cTn>
+                                        <p:tgtEl>
+                                          <p:spTgt spid="5">
+                                            <p:txEl>
+                                              <p:pRg st="1" end="1"/>
+                                            </p:txEl>
+                                          </p:spTgt>
+                                        </p:tgtEl>
+                                        <p:attrNameLst>
+                                          <p:attrName>style.visibility</p:attrName>
+                                        </p:attrNameLst>
+                                      </p:cBhvr>
+                                      <p:to>
+                                        <p:strVal val="visible"/>
+                                      </p:to>
+                                    </p:set>
+                                    <p:animEffect transition="in" filter="fade">
+                                      <p:cBhvr>
+                                        <p:cTn id="13" dur="2000"/>
+                                        <p:tgtEl>
+                                          <p:spTgt spid="5">
+                                            <p:txEl>
+                                              <p:pRg st="1" end="1"/>
+                                            </p:txEl>
+                                          </p:spTgt>
+                                        </p:tgtEl>
+                                      </p:cBhvr>
+                                    </p:animEffect>
+                                  </p:childTnLst>
+                                </p:cTn>
+                              </p:par>
+                              <p:par>
+                                <p:cTn id="14" presetID="10" presetClass="entr" presetSubtype="0" fill="hold" grpId="0" nodeType="withEffect">
+                                  <p:stCondLst>
+                                    <p:cond delay="0"/>
+                                  </p:stCondLst>
+                                  <p:childTnLst>
+                                    <p:set>
+                                      <p:cBhvr>
+                                        <p:cTn id="15" dur="1" fill="hold">
+                                          <p:stCondLst>
+                                            <p:cond delay="0"/>
+                                          </p:stCondLst>
+                                        </p:cTn>
+                                        <p:tgtEl>
+                                          <p:spTgt spid="5">
+                                            <p:txEl>
+                                              <p:pRg st="2" end="2"/>
+                                            </p:txEl>
+                                          </p:spTgt>
+                                        </p:tgtEl>
+                                        <p:attrNameLst>
+                                          <p:attrName>style.visibility</p:attrName>
+                                        </p:attrNameLst>
+                                      </p:cBhvr>
+                                      <p:to>
+                                        <p:strVal val="visible"/>
+                                      </p:to>
+                                    </p:set>
+                                    <p:animEffect transition="in" filter="fade">
+                                      <p:cBhvr>
+                                        <p:cTn id="16" dur="2000"/>
+                                        <p:tgtEl>
+                                          <p:spTgt spid="5">
+                                            <p:txEl>
+                                              <p:pRg st="2" end="2"/>
+                                            </p:txEl>
+                                          </p:spTgt>
+                                        </p:tgtEl>
+                                      </p:cBhvr>
+                                    </p:animEffect>
+                                  </p:childTnLst>
+                                </p:cTn>
+                              </p:par>
+                            </p:childTnLst>
+                          </p:cTn>
+                        </p:par>
+                      </p:childTnLst>
+                    </p:cTn>
+                  </p:par>
+                </p:childTnLst>
+              </p:cTn>
+              <p:prevCondLst>
+                <p:cond evt="onPrev" delay="0">
+                  <p:tgtEl>
+                    <p:sldTgt/>
+                  </p:tgtEl>
+                </p:cond>
+              </p:prevCondLst>
+              <p:nextCondLst>
+                <p:cond evt="onNext" delay="0">
+                  <p:tgtEl>
+                    <p:sldTgt/>
+                  </p:tgtEl>
+                </p:cond>
+              </p:nextCondLst>
+            </p:seq>
+          </p:childTnLst>
+        </p:cTn>
+      </p:par>
+    </p:tnLst>
+    <p:bldLst>
+      <p:bldP spid="4" grpId="0" build="allAtOnce"/>
+      <p:bldP spid="5" grpId="0" build="allAtOnce"/>
+    </p:bldLst>
+  </p:timing>
 </p:sld>
 </file>
 
@@ -3911,12 +5425,20 @@
           <a:lstStyle/>
           <a:p>
             <a:r>
+              <a:rPr lang="en-US" dirty="0" smtClean="0"/>
+              <a:t>the </a:t>
+            </a:r>
+            <a:r>
               <a:rPr lang="en-US" dirty="0" err="1" smtClean="0"/>
-              <a:t>Embeding</a:t>
+              <a:t>Iframe</a:t>
             </a:r>
             <a:r>
               <a:rPr lang="en-US" dirty="0" smtClean="0"/>
-              <a:t> java applet</a:t>
+              <a:t> </a:t>
+            </a:r>
+            <a:r>
+              <a:rPr lang="en-US" dirty="0" smtClean="0"/>
+              <a:t>trick(example)</a:t>
             </a:r>
             <a:endParaRPr lang="en-US" dirty="0"/>
           </a:p>
@@ -3924,19 +5446,577 @@
       </p:sp>
       <p:sp>
         <p:nvSpPr>
-          <p:cNvPr id="3" name="Content Placeholder 2"/>
-          <p:cNvSpPr>
-            <a:spLocks noGrp="1"/>
-          </p:cNvSpPr>
-          <p:nvPr>
-            <p:ph idx="1"/>
-          </p:nvPr>
-        </p:nvSpPr>
-        <p:spPr/>
-        <p:txBody>
-          <a:bodyPr/>
-          <a:lstStyle/>
-          <a:p>
+          <p:cNvPr id="4" name="Circular Arrow 3"/>
+          <p:cNvSpPr/>
+          <p:nvPr/>
+        </p:nvSpPr>
+        <p:spPr>
+          <a:xfrm rot="5400000">
+            <a:off x="6172200" y="2971800"/>
+            <a:ext cx="978408" cy="978408"/>
+          </a:xfrm>
+          <a:prstGeom prst="circularArrow">
+            <a:avLst>
+              <a:gd name="adj1" fmla="val 12500"/>
+              <a:gd name="adj2" fmla="val 1142319"/>
+              <a:gd name="adj3" fmla="val 20457681"/>
+              <a:gd name="adj4" fmla="val 823321"/>
+              <a:gd name="adj5" fmla="val 12500"/>
+            </a:avLst>
+          </a:prstGeom>
+        </p:spPr>
+        <p:style>
+          <a:lnRef idx="2">
+            <a:schemeClr val="accent1">
+              <a:shade val="50000"/>
+            </a:schemeClr>
+          </a:lnRef>
+          <a:fillRef idx="1">
+            <a:schemeClr val="accent1"/>
+          </a:fillRef>
+          <a:effectRef idx="0">
+            <a:schemeClr val="accent1"/>
+          </a:effectRef>
+          <a:fontRef idx="minor">
+            <a:schemeClr val="lt1"/>
+          </a:fontRef>
+        </p:style>
+        <p:txBody>
+          <a:bodyPr rtlCol="0" anchor="ctr"/>
+          <a:lstStyle/>
+          <a:p>
+            <a:pPr algn="ctr"/>
+            <a:endParaRPr lang="en-US" dirty="0">
+              <a:solidFill>
+                <a:schemeClr val="tx1"/>
+              </a:solidFill>
+            </a:endParaRPr>
+          </a:p>
+        </p:txBody>
+      </p:sp>
+      <p:sp>
+        <p:nvSpPr>
+          <p:cNvPr id="5" name="Flowchart: Magnetic Disk 4"/>
+          <p:cNvSpPr/>
+          <p:nvPr/>
+        </p:nvSpPr>
+        <p:spPr>
+          <a:xfrm>
+            <a:off x="7543800" y="4075176"/>
+            <a:ext cx="914400" cy="765048"/>
+          </a:xfrm>
+          <a:prstGeom prst="flowChartMagneticDisk">
+            <a:avLst/>
+          </a:prstGeom>
+        </p:spPr>
+        <p:style>
+          <a:lnRef idx="2">
+            <a:schemeClr val="accent1">
+              <a:shade val="50000"/>
+            </a:schemeClr>
+          </a:lnRef>
+          <a:fillRef idx="1">
+            <a:schemeClr val="accent1"/>
+          </a:fillRef>
+          <a:effectRef idx="0">
+            <a:schemeClr val="accent1"/>
+          </a:effectRef>
+          <a:fontRef idx="minor">
+            <a:schemeClr val="lt1"/>
+          </a:fontRef>
+        </p:style>
+        <p:txBody>
+          <a:bodyPr rtlCol="0" anchor="ctr"/>
+          <a:lstStyle/>
+          <a:p>
+            <a:pPr algn="ctr"/>
+            <a:r>
+              <a:rPr lang="en-US" dirty="0" err="1" smtClean="0"/>
+              <a:t>mySQL</a:t>
+            </a:r>
+            <a:endParaRPr lang="en-US" dirty="0" smtClean="0"/>
+          </a:p>
+          <a:p>
+            <a:pPr algn="ctr"/>
+            <a:r>
+              <a:rPr lang="en-US" dirty="0" smtClean="0"/>
+              <a:t>DB</a:t>
+            </a:r>
+            <a:endParaRPr lang="en-US" dirty="0"/>
+          </a:p>
+        </p:txBody>
+      </p:sp>
+      <p:sp>
+        <p:nvSpPr>
+          <p:cNvPr id="6" name="Circular Arrow 5"/>
+          <p:cNvSpPr/>
+          <p:nvPr/>
+        </p:nvSpPr>
+        <p:spPr>
+          <a:xfrm rot="5400000">
+            <a:off x="2971800" y="1981200"/>
+            <a:ext cx="2133600" cy="2133600"/>
+          </a:xfrm>
+          <a:prstGeom prst="circularArrow">
+            <a:avLst>
+              <a:gd name="adj1" fmla="val 12500"/>
+              <a:gd name="adj2" fmla="val 1142319"/>
+              <a:gd name="adj3" fmla="val 20457681"/>
+              <a:gd name="adj4" fmla="val 823321"/>
+              <a:gd name="adj5" fmla="val 12500"/>
+            </a:avLst>
+          </a:prstGeom>
+        </p:spPr>
+        <p:style>
+          <a:lnRef idx="2">
+            <a:schemeClr val="accent1">
+              <a:shade val="50000"/>
+            </a:schemeClr>
+          </a:lnRef>
+          <a:fillRef idx="1">
+            <a:schemeClr val="accent1"/>
+          </a:fillRef>
+          <a:effectRef idx="0">
+            <a:schemeClr val="accent1"/>
+          </a:effectRef>
+          <a:fontRef idx="minor">
+            <a:schemeClr val="lt1"/>
+          </a:fontRef>
+        </p:style>
+        <p:txBody>
+          <a:bodyPr rtlCol="0" anchor="ctr"/>
+          <a:lstStyle/>
+          <a:p>
+            <a:pPr algn="ctr"/>
+            <a:endParaRPr lang="en-US" dirty="0">
+              <a:solidFill>
+                <a:schemeClr val="tx1"/>
+              </a:solidFill>
+            </a:endParaRPr>
+          </a:p>
+        </p:txBody>
+      </p:sp>
+      <p:sp>
+        <p:nvSpPr>
+          <p:cNvPr id="8" name="Hexagon 7"/>
+          <p:cNvSpPr/>
+          <p:nvPr/>
+        </p:nvSpPr>
+        <p:spPr>
+          <a:xfrm>
+            <a:off x="5791200" y="4038600"/>
+            <a:ext cx="1676400" cy="838200"/>
+          </a:xfrm>
+          <a:prstGeom prst="hexagon">
+            <a:avLst/>
+          </a:prstGeom>
+        </p:spPr>
+        <p:style>
+          <a:lnRef idx="2">
+            <a:schemeClr val="accent1">
+              <a:shade val="50000"/>
+            </a:schemeClr>
+          </a:lnRef>
+          <a:fillRef idx="1">
+            <a:schemeClr val="accent1"/>
+          </a:fillRef>
+          <a:effectRef idx="0">
+            <a:schemeClr val="accent1"/>
+          </a:effectRef>
+          <a:fontRef idx="minor">
+            <a:schemeClr val="lt1"/>
+          </a:fontRef>
+        </p:style>
+        <p:txBody>
+          <a:bodyPr rtlCol="0" anchor="ctr"/>
+          <a:lstStyle/>
+          <a:p>
+            <a:pPr algn="ctr"/>
+            <a:r>
+              <a:rPr lang="en-US" dirty="0" smtClean="0"/>
+              <a:t>DB</a:t>
+            </a:r>
+            <a:endParaRPr lang="en-US" dirty="0" smtClean="0"/>
+          </a:p>
+          <a:p>
+            <a:pPr algn="ctr"/>
+            <a:r>
+              <a:rPr lang="en-US" dirty="0" smtClean="0"/>
+              <a:t>connection</a:t>
+            </a:r>
+            <a:endParaRPr lang="en-US" dirty="0"/>
+          </a:p>
+        </p:txBody>
+      </p:sp>
+      <p:sp>
+        <p:nvSpPr>
+          <p:cNvPr id="9" name="Rounded Rectangle 8"/>
+          <p:cNvSpPr/>
+          <p:nvPr/>
+        </p:nvSpPr>
+        <p:spPr>
+          <a:xfrm>
+            <a:off x="4876800" y="4038600"/>
+            <a:ext cx="914400" cy="838200"/>
+          </a:xfrm>
+          <a:prstGeom prst="roundRect">
+            <a:avLst/>
+          </a:prstGeom>
+        </p:spPr>
+        <p:style>
+          <a:lnRef idx="2">
+            <a:schemeClr val="accent1">
+              <a:shade val="50000"/>
+            </a:schemeClr>
+          </a:lnRef>
+          <a:fillRef idx="1">
+            <a:schemeClr val="accent1"/>
+          </a:fillRef>
+          <a:effectRef idx="0">
+            <a:schemeClr val="accent1"/>
+          </a:effectRef>
+          <a:fontRef idx="minor">
+            <a:schemeClr val="lt1"/>
+          </a:fontRef>
+        </p:style>
+        <p:txBody>
+          <a:bodyPr rtlCol="0" anchor="ctr"/>
+          <a:lstStyle/>
+          <a:p>
+            <a:pPr algn="ctr"/>
+            <a:r>
+              <a:rPr lang="en-US" dirty="0" smtClean="0"/>
+              <a:t>PHP</a:t>
+            </a:r>
+          </a:p>
+          <a:p>
+            <a:pPr algn="ctr"/>
+            <a:r>
+              <a:rPr lang="en-US" dirty="0" smtClean="0"/>
+              <a:t>page</a:t>
+            </a:r>
+            <a:endParaRPr lang="en-US" dirty="0"/>
+          </a:p>
+        </p:txBody>
+      </p:sp>
+      <p:sp>
+        <p:nvSpPr>
+          <p:cNvPr id="10" name="Rectangle 9"/>
+          <p:cNvSpPr/>
+          <p:nvPr/>
+        </p:nvSpPr>
+        <p:spPr>
+          <a:xfrm>
+            <a:off x="304800" y="2438400"/>
+            <a:ext cx="2743200" cy="2667000"/>
+          </a:xfrm>
+          <a:prstGeom prst="rect">
+            <a:avLst/>
+          </a:prstGeom>
+          <a:gradFill flip="none" rotWithShape="1">
+            <a:gsLst>
+              <a:gs pos="0">
+                <a:schemeClr val="accent1">
+                  <a:tint val="66000"/>
+                  <a:satMod val="160000"/>
+                </a:schemeClr>
+              </a:gs>
+              <a:gs pos="50000">
+                <a:schemeClr val="accent1">
+                  <a:tint val="44500"/>
+                  <a:satMod val="160000"/>
+                </a:schemeClr>
+              </a:gs>
+              <a:gs pos="100000">
+                <a:schemeClr val="accent1">
+                  <a:tint val="23500"/>
+                  <a:satMod val="160000"/>
+                </a:schemeClr>
+              </a:gs>
+            </a:gsLst>
+            <a:path path="circle">
+              <a:fillToRect l="50000" t="50000" r="50000" b="50000"/>
+            </a:path>
+            <a:tileRect/>
+          </a:gradFill>
+        </p:spPr>
+        <p:style>
+          <a:lnRef idx="2">
+            <a:schemeClr val="accent1">
+              <a:shade val="50000"/>
+            </a:schemeClr>
+          </a:lnRef>
+          <a:fillRef idx="1">
+            <a:schemeClr val="accent1"/>
+          </a:fillRef>
+          <a:effectRef idx="0">
+            <a:schemeClr val="accent1"/>
+          </a:effectRef>
+          <a:fontRef idx="minor">
+            <a:schemeClr val="lt1"/>
+          </a:fontRef>
+        </p:style>
+        <p:txBody>
+          <a:bodyPr rtlCol="0" anchor="t"/>
+          <a:lstStyle/>
+          <a:p>
+            <a:r>
+              <a:rPr lang="en-US" dirty="0" smtClean="0">
+                <a:solidFill>
+                  <a:srgbClr val="7030A0"/>
+                </a:solidFill>
+              </a:rPr>
+              <a:t>Main</a:t>
+            </a:r>
+          </a:p>
+          <a:p>
+            <a:r>
+              <a:rPr lang="en-US" dirty="0" smtClean="0">
+                <a:solidFill>
+                  <a:srgbClr val="7030A0"/>
+                </a:solidFill>
+              </a:rPr>
+              <a:t>page</a:t>
+            </a:r>
+            <a:endParaRPr lang="en-US" dirty="0">
+              <a:solidFill>
+                <a:srgbClr val="7030A0"/>
+              </a:solidFill>
+            </a:endParaRPr>
+          </a:p>
+        </p:txBody>
+      </p:sp>
+      <p:sp>
+        <p:nvSpPr>
+          <p:cNvPr id="11" name="TextBox 10"/>
+          <p:cNvSpPr txBox="1"/>
+          <p:nvPr/>
+        </p:nvSpPr>
+        <p:spPr>
+          <a:xfrm>
+            <a:off x="6324600" y="2057400"/>
+            <a:ext cx="914400" cy="923330"/>
+          </a:xfrm>
+          <a:prstGeom prst="rect">
+            <a:avLst/>
+          </a:prstGeom>
+          <a:noFill/>
+        </p:spPr>
+        <p:txBody>
+          <a:bodyPr wrap="square" rtlCol="0">
+            <a:spAutoFit/>
+          </a:bodyPr>
+          <a:lstStyle/>
+          <a:p>
+            <a:r>
+              <a:rPr lang="en-US" dirty="0" smtClean="0"/>
+              <a:t>Asks DB every 10ms</a:t>
+            </a:r>
+            <a:endParaRPr lang="en-US" dirty="0"/>
+          </a:p>
+        </p:txBody>
+      </p:sp>
+      <p:sp>
+        <p:nvSpPr>
+          <p:cNvPr id="12" name="TextBox 11"/>
+          <p:cNvSpPr txBox="1"/>
+          <p:nvPr/>
+        </p:nvSpPr>
+        <p:spPr>
+          <a:xfrm>
+            <a:off x="3276600" y="1219200"/>
+            <a:ext cx="1524000" cy="923330"/>
+          </a:xfrm>
+          <a:prstGeom prst="rect">
+            <a:avLst/>
+          </a:prstGeom>
+          <a:noFill/>
+        </p:spPr>
+        <p:txBody>
+          <a:bodyPr wrap="square" rtlCol="0">
+            <a:spAutoFit/>
+          </a:bodyPr>
+          <a:lstStyle/>
+          <a:p>
+            <a:r>
+              <a:rPr lang="en-US" dirty="0" smtClean="0"/>
+              <a:t>Re-establishes connection every 10s</a:t>
+            </a:r>
+            <a:endParaRPr lang="en-US" dirty="0"/>
+          </a:p>
+        </p:txBody>
+      </p:sp>
+      <p:sp>
+        <p:nvSpPr>
+          <p:cNvPr id="13" name="U-Turn Arrow 12"/>
+          <p:cNvSpPr/>
+          <p:nvPr/>
+        </p:nvSpPr>
+        <p:spPr>
+          <a:xfrm rot="10800000">
+            <a:off x="1981200" y="4953000"/>
+            <a:ext cx="3505200" cy="990600"/>
+          </a:xfrm>
+          <a:prstGeom prst="uturnArrow">
+            <a:avLst>
+              <a:gd name="adj1" fmla="val 25000"/>
+              <a:gd name="adj2" fmla="val 25000"/>
+              <a:gd name="adj3" fmla="val 25000"/>
+              <a:gd name="adj4" fmla="val 43750"/>
+              <a:gd name="adj5" fmla="val 96302"/>
+            </a:avLst>
+          </a:prstGeom>
+        </p:spPr>
+        <p:style>
+          <a:lnRef idx="2">
+            <a:schemeClr val="accent1">
+              <a:shade val="50000"/>
+            </a:schemeClr>
+          </a:lnRef>
+          <a:fillRef idx="1">
+            <a:schemeClr val="accent1"/>
+          </a:fillRef>
+          <a:effectRef idx="0">
+            <a:schemeClr val="accent1"/>
+          </a:effectRef>
+          <a:fontRef idx="minor">
+            <a:schemeClr val="lt1"/>
+          </a:fontRef>
+        </p:style>
+        <p:txBody>
+          <a:bodyPr rtlCol="0" anchor="ctr"/>
+          <a:lstStyle/>
+          <a:p>
+            <a:pPr algn="ctr"/>
+            <a:endParaRPr lang="en-US">
+              <a:solidFill>
+                <a:schemeClr val="tx1"/>
+              </a:solidFill>
+            </a:endParaRPr>
+          </a:p>
+        </p:txBody>
+      </p:sp>
+      <p:sp>
+        <p:nvSpPr>
+          <p:cNvPr id="14" name="TextBox 13"/>
+          <p:cNvSpPr txBox="1"/>
+          <p:nvPr/>
+        </p:nvSpPr>
+        <p:spPr>
+          <a:xfrm>
+            <a:off x="2590800" y="5943600"/>
+            <a:ext cx="2819400" cy="369332"/>
+          </a:xfrm>
+          <a:prstGeom prst="rect">
+            <a:avLst/>
+          </a:prstGeom>
+          <a:noFill/>
+        </p:spPr>
+        <p:txBody>
+          <a:bodyPr wrap="square" rtlCol="0">
+            <a:spAutoFit/>
+          </a:bodyPr>
+          <a:lstStyle/>
+          <a:p>
+            <a:r>
+              <a:rPr lang="en-US" dirty="0" smtClean="0"/>
+              <a:t>Returns on the first change</a:t>
+            </a:r>
+            <a:endParaRPr lang="en-US" dirty="0"/>
+          </a:p>
+        </p:txBody>
+      </p:sp>
+      <p:sp>
+        <p:nvSpPr>
+          <p:cNvPr id="15" name="Rounded Rectangle 14"/>
+          <p:cNvSpPr/>
+          <p:nvPr/>
+        </p:nvSpPr>
+        <p:spPr>
+          <a:xfrm>
+            <a:off x="1371600" y="3733800"/>
+            <a:ext cx="1524000" cy="1219200"/>
+          </a:xfrm>
+          <a:prstGeom prst="roundRect">
+            <a:avLst/>
+          </a:prstGeom>
+        </p:spPr>
+        <p:style>
+          <a:lnRef idx="2">
+            <a:schemeClr val="accent1">
+              <a:shade val="50000"/>
+            </a:schemeClr>
+          </a:lnRef>
+          <a:fillRef idx="1">
+            <a:schemeClr val="accent1"/>
+          </a:fillRef>
+          <a:effectRef idx="0">
+            <a:schemeClr val="accent1"/>
+          </a:effectRef>
+          <a:fontRef idx="minor">
+            <a:schemeClr val="lt1"/>
+          </a:fontRef>
+        </p:style>
+        <p:txBody>
+          <a:bodyPr rtlCol="0" anchor="ctr"/>
+          <a:lstStyle/>
+          <a:p>
+            <a:pPr algn="ctr"/>
+            <a:r>
+              <a:rPr lang="en-US" dirty="0" smtClean="0"/>
+              <a:t>IFRAME</a:t>
+            </a:r>
+            <a:endParaRPr lang="en-US" dirty="0"/>
+          </a:p>
+        </p:txBody>
+      </p:sp>
+      <p:sp>
+        <p:nvSpPr>
+          <p:cNvPr id="7" name="Hexagon 6"/>
+          <p:cNvSpPr/>
+          <p:nvPr/>
+        </p:nvSpPr>
+        <p:spPr>
+          <a:xfrm>
+            <a:off x="2895600" y="4038600"/>
+            <a:ext cx="1981200" cy="838200"/>
+          </a:xfrm>
+          <a:prstGeom prst="hexagon">
+            <a:avLst/>
+          </a:prstGeom>
+        </p:spPr>
+        <p:style>
+          <a:lnRef idx="2">
+            <a:schemeClr val="accent1">
+              <a:shade val="50000"/>
+            </a:schemeClr>
+          </a:lnRef>
+          <a:fillRef idx="1">
+            <a:schemeClr val="accent1"/>
+          </a:fillRef>
+          <a:effectRef idx="0">
+            <a:schemeClr val="accent1"/>
+          </a:effectRef>
+          <a:fontRef idx="minor">
+            <a:schemeClr val="lt1"/>
+          </a:fontRef>
+        </p:style>
+        <p:txBody>
+          <a:bodyPr rtlCol="0" anchor="ctr"/>
+          <a:lstStyle/>
+          <a:p>
+            <a:pPr algn="ctr"/>
+            <a:r>
+              <a:rPr lang="en-US" dirty="0" smtClean="0"/>
+              <a:t>HTTP</a:t>
+            </a:r>
+          </a:p>
+          <a:p>
+            <a:pPr algn="ctr"/>
+            <a:r>
+              <a:rPr lang="en-US" dirty="0" smtClean="0"/>
+              <a:t>connection</a:t>
+            </a:r>
             <a:endParaRPr lang="en-US" dirty="0"/>
           </a:p>
         </p:txBody>
@@ -3946,6 +6026,13 @@
   <p:clrMapOvr>
     <a:masterClrMapping/>
   </p:clrMapOvr>
+  <p:timing>
+    <p:tnLst>
+      <p:par>
+        <p:cTn id="1" dur="indefinite" restart="never" nodeType="tmRoot"/>
+      </p:par>
+    </p:tnLst>
+  </p:timing>
 </p:sld>
 </file>
 
@@ -3982,8 +6069,8 @@
           <a:lstStyle/>
           <a:p>
             <a:r>
-              <a:rPr lang="en-US" dirty="0" err="1" smtClean="0"/>
-              <a:t>Websockets</a:t>
+              <a:rPr lang="lv-LV" dirty="0" smtClean="0"/>
+              <a:t>AJAX</a:t>
             </a:r>
             <a:endParaRPr lang="en-US" dirty="0"/>
           </a:p>
@@ -3991,12 +6078,12 @@
       </p:sp>
       <p:sp>
         <p:nvSpPr>
-          <p:cNvPr id="4" name="Text Placeholder 3"/>
-          <p:cNvSpPr>
-            <a:spLocks noGrp="1"/>
-          </p:cNvSpPr>
-          <p:nvPr>
-            <p:ph type="body" idx="1"/>
+          <p:cNvPr id="4" name="Content Placeholder 3"/>
+          <p:cNvSpPr>
+            <a:spLocks noGrp="1"/>
+          </p:cNvSpPr>
+          <p:nvPr>
+            <p:ph sz="half" idx="1"/>
           </p:nvPr>
         </p:nvSpPr>
         <p:spPr/>
@@ -4004,6 +6091,101 @@
           <a:bodyPr/>
           <a:lstStyle/>
           <a:p>
+            <a:pPr>
+              <a:buFont typeface="Calibri" pitchFamily="34" charset="0"/>
+              <a:buChar char="+"/>
+            </a:pPr>
+            <a:r>
+              <a:rPr lang="en-US" dirty="0" smtClean="0"/>
+              <a:t>Can get and post to ordinary web pages</a:t>
+            </a:r>
+          </a:p>
+          <a:p>
+            <a:pPr>
+              <a:buFont typeface="Calibri" pitchFamily="34" charset="0"/>
+              <a:buChar char="+"/>
+            </a:pPr>
+            <a:r>
+              <a:rPr lang="en-US" dirty="0" smtClean="0"/>
+              <a:t>Works in synchronous or asynchronous mode</a:t>
+            </a:r>
+          </a:p>
+          <a:p>
+            <a:pPr>
+              <a:buFont typeface="Calibri" pitchFamily="34" charset="0"/>
+              <a:buChar char="+"/>
+            </a:pPr>
+            <a:r>
+              <a:rPr lang="en-US" dirty="0" smtClean="0"/>
+              <a:t>Recognizes HTTP response codes</a:t>
+            </a:r>
+          </a:p>
+          <a:p>
+            <a:pPr>
+              <a:buFont typeface="Calibri" pitchFamily="34" charset="0"/>
+              <a:buChar char="+"/>
+            </a:pPr>
+            <a:r>
+              <a:rPr lang="en-US" dirty="0" smtClean="0"/>
+              <a:t>Easy to determine the state of the request</a:t>
+            </a:r>
+            <a:endParaRPr lang="en-US" dirty="0"/>
+          </a:p>
+        </p:txBody>
+      </p:sp>
+      <p:sp>
+        <p:nvSpPr>
+          <p:cNvPr id="5" name="Content Placeholder 4"/>
+          <p:cNvSpPr>
+            <a:spLocks noGrp="1"/>
+          </p:cNvSpPr>
+          <p:nvPr>
+            <p:ph sz="half" idx="2"/>
+          </p:nvPr>
+        </p:nvSpPr>
+        <p:spPr/>
+        <p:txBody>
+          <a:bodyPr/>
+          <a:lstStyle/>
+          <a:p>
+            <a:pPr>
+              <a:buFont typeface="Calibri" pitchFamily="34" charset="0"/>
+              <a:buChar char="-"/>
+            </a:pPr>
+            <a:r>
+              <a:rPr lang="en-US" dirty="0" smtClean="0"/>
+              <a:t>Only pull events</a:t>
+            </a:r>
+          </a:p>
+          <a:p>
+            <a:pPr>
+              <a:buFont typeface="Calibri" pitchFamily="34" charset="0"/>
+              <a:buChar char="-"/>
+            </a:pPr>
+            <a:r>
+              <a:rPr lang="en-US" dirty="0" smtClean="0"/>
+              <a:t>A pain to work with without a wrapper</a:t>
+            </a:r>
+          </a:p>
+          <a:p>
+            <a:pPr>
+              <a:buFont typeface="Calibri" pitchFamily="34" charset="0"/>
+              <a:buChar char="-"/>
+            </a:pPr>
+            <a:r>
+              <a:rPr lang="en-US" dirty="0" smtClean="0"/>
+              <a:t>Problems with cross-domain requests</a:t>
+            </a:r>
+          </a:p>
+          <a:p>
+            <a:pPr>
+              <a:buFont typeface="Calibri" pitchFamily="34" charset="0"/>
+              <a:buChar char="-"/>
+            </a:pPr>
+            <a:r>
+              <a:rPr lang="en-US" dirty="0" smtClean="0"/>
+              <a:t>Writing an optimal server is tricky</a:t>
+            </a:r>
             <a:endParaRPr lang="en-US" dirty="0"/>
           </a:p>
         </p:txBody>
@@ -4013,6 +6195,402 @@
   <p:clrMapOvr>
     <a:masterClrMapping/>
   </p:clrMapOvr>
+  <p:timing>
+    <p:tnLst>
+      <p:par>
+        <p:cTn id="1" dur="indefinite" restart="never" nodeType="tmRoot">
+          <p:childTnLst>
+            <p:seq concurrent="1" nextAc="seek">
+              <p:cTn id="2" dur="indefinite" nodeType="mainSeq">
+                <p:childTnLst>
+                  <p:par>
+                    <p:cTn id="3" fill="hold">
+                      <p:stCondLst>
+                        <p:cond delay="indefinite"/>
+                      </p:stCondLst>
+                      <p:childTnLst>
+                        <p:par>
+                          <p:cTn id="4" fill="hold">
+                            <p:stCondLst>
+                              <p:cond delay="0"/>
+                            </p:stCondLst>
+                            <p:childTnLst>
+                              <p:par>
+                                <p:cTn id="5" presetID="10" presetClass="entr" presetSubtype="0" fill="hold" grpId="0" nodeType="clickEffect">
+                                  <p:stCondLst>
+                                    <p:cond delay="0"/>
+                                  </p:stCondLst>
+                                  <p:childTnLst>
+                                    <p:set>
+                                      <p:cBhvr>
+                                        <p:cTn id="6" dur="1" fill="hold">
+                                          <p:stCondLst>
+                                            <p:cond delay="0"/>
+                                          </p:stCondLst>
+                                        </p:cTn>
+                                        <p:tgtEl>
+                                          <p:spTgt spid="4">
+                                            <p:txEl>
+                                              <p:pRg st="0" end="0"/>
+                                            </p:txEl>
+                                          </p:spTgt>
+                                        </p:tgtEl>
+                                        <p:attrNameLst>
+                                          <p:attrName>style.visibility</p:attrName>
+                                        </p:attrNameLst>
+                                      </p:cBhvr>
+                                      <p:to>
+                                        <p:strVal val="visible"/>
+                                      </p:to>
+                                    </p:set>
+                                    <p:animEffect transition="in" filter="fade">
+                                      <p:cBhvr>
+                                        <p:cTn id="7" dur="2000"/>
+                                        <p:tgtEl>
+                                          <p:spTgt spid="4">
+                                            <p:txEl>
+                                              <p:pRg st="0" end="0"/>
+                                            </p:txEl>
+                                          </p:spTgt>
+                                        </p:tgtEl>
+                                      </p:cBhvr>
+                                    </p:animEffect>
+                                  </p:childTnLst>
+                                </p:cTn>
+                              </p:par>
+                              <p:par>
+                                <p:cTn id="8" presetID="10" presetClass="entr" presetSubtype="0" fill="hold" grpId="0" nodeType="withEffect">
+                                  <p:stCondLst>
+                                    <p:cond delay="0"/>
+                                  </p:stCondLst>
+                                  <p:childTnLst>
+                                    <p:set>
+                                      <p:cBhvr>
+                                        <p:cTn id="9" dur="1" fill="hold">
+                                          <p:stCondLst>
+                                            <p:cond delay="0"/>
+                                          </p:stCondLst>
+                                        </p:cTn>
+                                        <p:tgtEl>
+                                          <p:spTgt spid="4">
+                                            <p:txEl>
+                                              <p:pRg st="1" end="1"/>
+                                            </p:txEl>
+                                          </p:spTgt>
+                                        </p:tgtEl>
+                                        <p:attrNameLst>
+                                          <p:attrName>style.visibility</p:attrName>
+                                        </p:attrNameLst>
+                                      </p:cBhvr>
+                                      <p:to>
+                                        <p:strVal val="visible"/>
+                                      </p:to>
+                                    </p:set>
+                                    <p:animEffect transition="in" filter="fade">
+                                      <p:cBhvr>
+                                        <p:cTn id="10" dur="2000"/>
+                                        <p:tgtEl>
+                                          <p:spTgt spid="4">
+                                            <p:txEl>
+                                              <p:pRg st="1" end="1"/>
+                                            </p:txEl>
+                                          </p:spTgt>
+                                        </p:tgtEl>
+                                      </p:cBhvr>
+                                    </p:animEffect>
+                                  </p:childTnLst>
+                                </p:cTn>
+                              </p:par>
+                              <p:par>
+                                <p:cTn id="11" presetID="10" presetClass="entr" presetSubtype="0" fill="hold" grpId="0" nodeType="withEffect">
+                                  <p:stCondLst>
+                                    <p:cond delay="0"/>
+                                  </p:stCondLst>
+                                  <p:childTnLst>
+                                    <p:set>
+                                      <p:cBhvr>
+                                        <p:cTn id="12" dur="1" fill="hold">
+                                          <p:stCondLst>
+                                            <p:cond delay="0"/>
+                                          </p:stCondLst>
+                                        </p:cTn>
+                                        <p:tgtEl>
+                                          <p:spTgt spid="4">
+                                            <p:txEl>
+                                              <p:pRg st="2" end="2"/>
+                                            </p:txEl>
+                                          </p:spTgt>
+                                        </p:tgtEl>
+                                        <p:attrNameLst>
+                                          <p:attrName>style.visibility</p:attrName>
+                                        </p:attrNameLst>
+                                      </p:cBhvr>
+                                      <p:to>
+                                        <p:strVal val="visible"/>
+                                      </p:to>
+                                    </p:set>
+                                    <p:animEffect transition="in" filter="fade">
+                                      <p:cBhvr>
+                                        <p:cTn id="13" dur="2000"/>
+                                        <p:tgtEl>
+                                          <p:spTgt spid="4">
+                                            <p:txEl>
+                                              <p:pRg st="2" end="2"/>
+                                            </p:txEl>
+                                          </p:spTgt>
+                                        </p:tgtEl>
+                                      </p:cBhvr>
+                                    </p:animEffect>
+                                  </p:childTnLst>
+                                </p:cTn>
+                              </p:par>
+                              <p:par>
+                                <p:cTn id="14" presetID="10" presetClass="entr" presetSubtype="0" fill="hold" grpId="0" nodeType="withEffect">
+                                  <p:stCondLst>
+                                    <p:cond delay="0"/>
+                                  </p:stCondLst>
+                                  <p:childTnLst>
+                                    <p:set>
+                                      <p:cBhvr>
+                                        <p:cTn id="15" dur="1" fill="hold">
+                                          <p:stCondLst>
+                                            <p:cond delay="0"/>
+                                          </p:stCondLst>
+                                        </p:cTn>
+                                        <p:tgtEl>
+                                          <p:spTgt spid="4">
+                                            <p:txEl>
+                                              <p:pRg st="3" end="3"/>
+                                            </p:txEl>
+                                          </p:spTgt>
+                                        </p:tgtEl>
+                                        <p:attrNameLst>
+                                          <p:attrName>style.visibility</p:attrName>
+                                        </p:attrNameLst>
+                                      </p:cBhvr>
+                                      <p:to>
+                                        <p:strVal val="visible"/>
+                                      </p:to>
+                                    </p:set>
+                                    <p:animEffect transition="in" filter="fade">
+                                      <p:cBhvr>
+                                        <p:cTn id="16" dur="2000"/>
+                                        <p:tgtEl>
+                                          <p:spTgt spid="4">
+                                            <p:txEl>
+                                              <p:pRg st="3" end="3"/>
+                                            </p:txEl>
+                                          </p:spTgt>
+                                        </p:tgtEl>
+                                      </p:cBhvr>
+                                    </p:animEffect>
+                                  </p:childTnLst>
+                                </p:cTn>
+                              </p:par>
+                              <p:par>
+                                <p:cTn id="17" presetID="10" presetClass="entr" presetSubtype="0" fill="hold" grpId="0" nodeType="withEffect">
+                                  <p:stCondLst>
+                                    <p:cond delay="0"/>
+                                  </p:stCondLst>
+                                  <p:childTnLst>
+                                    <p:set>
+                                      <p:cBhvr>
+                                        <p:cTn id="18" dur="1" fill="hold">
+                                          <p:stCondLst>
+                                            <p:cond delay="0"/>
+                                          </p:stCondLst>
+                                        </p:cTn>
+                                        <p:tgtEl>
+                                          <p:spTgt spid="5">
+                                            <p:txEl>
+                                              <p:pRg st="0" end="0"/>
+                                            </p:txEl>
+                                          </p:spTgt>
+                                        </p:tgtEl>
+                                        <p:attrNameLst>
+                                          <p:attrName>style.visibility</p:attrName>
+                                        </p:attrNameLst>
+                                      </p:cBhvr>
+                                      <p:to>
+                                        <p:strVal val="visible"/>
+                                      </p:to>
+                                    </p:set>
+                                    <p:animEffect transition="in" filter="fade">
+                                      <p:cBhvr>
+                                        <p:cTn id="19" dur="2000"/>
+                                        <p:tgtEl>
+                                          <p:spTgt spid="5">
+                                            <p:txEl>
+                                              <p:pRg st="0" end="0"/>
+                                            </p:txEl>
+                                          </p:spTgt>
+                                        </p:tgtEl>
+                                      </p:cBhvr>
+                                    </p:animEffect>
+                                  </p:childTnLst>
+                                </p:cTn>
+                              </p:par>
+                              <p:par>
+                                <p:cTn id="20" presetID="10" presetClass="entr" presetSubtype="0" fill="hold" grpId="0" nodeType="withEffect">
+                                  <p:stCondLst>
+                                    <p:cond delay="0"/>
+                                  </p:stCondLst>
+                                  <p:childTnLst>
+                                    <p:set>
+                                      <p:cBhvr>
+                                        <p:cTn id="21" dur="1" fill="hold">
+                                          <p:stCondLst>
+                                            <p:cond delay="0"/>
+                                          </p:stCondLst>
+                                        </p:cTn>
+                                        <p:tgtEl>
+                                          <p:spTgt spid="5">
+                                            <p:txEl>
+                                              <p:pRg st="1" end="1"/>
+                                            </p:txEl>
+                                          </p:spTgt>
+                                        </p:tgtEl>
+                                        <p:attrNameLst>
+                                          <p:attrName>style.visibility</p:attrName>
+                                        </p:attrNameLst>
+                                      </p:cBhvr>
+                                      <p:to>
+                                        <p:strVal val="visible"/>
+                                      </p:to>
+                                    </p:set>
+                                    <p:animEffect transition="in" filter="fade">
+                                      <p:cBhvr>
+                                        <p:cTn id="22" dur="2000"/>
+                                        <p:tgtEl>
+                                          <p:spTgt spid="5">
+                                            <p:txEl>
+                                              <p:pRg st="1" end="1"/>
+                                            </p:txEl>
+                                          </p:spTgt>
+                                        </p:tgtEl>
+                                      </p:cBhvr>
+                                    </p:animEffect>
+                                  </p:childTnLst>
+                                </p:cTn>
+                              </p:par>
+                              <p:par>
+                                <p:cTn id="23" presetID="10" presetClass="entr" presetSubtype="0" fill="hold" grpId="0" nodeType="withEffect">
+                                  <p:stCondLst>
+                                    <p:cond delay="0"/>
+                                  </p:stCondLst>
+                                  <p:childTnLst>
+                                    <p:set>
+                                      <p:cBhvr>
+                                        <p:cTn id="24" dur="1" fill="hold">
+                                          <p:stCondLst>
+                                            <p:cond delay="0"/>
+                                          </p:stCondLst>
+                                        </p:cTn>
+                                        <p:tgtEl>
+                                          <p:spTgt spid="5">
+                                            <p:txEl>
+                                              <p:pRg st="2" end="2"/>
+                                            </p:txEl>
+                                          </p:spTgt>
+                                        </p:tgtEl>
+                                        <p:attrNameLst>
+                                          <p:attrName>style.visibility</p:attrName>
+                                        </p:attrNameLst>
+                                      </p:cBhvr>
+                                      <p:to>
+                                        <p:strVal val="visible"/>
+                                      </p:to>
+                                    </p:set>
+                                    <p:animEffect transition="in" filter="fade">
+                                      <p:cBhvr>
+                                        <p:cTn id="25" dur="2000"/>
+                                        <p:tgtEl>
+                                          <p:spTgt spid="5">
+                                            <p:txEl>
+                                              <p:pRg st="2" end="2"/>
+                                            </p:txEl>
+                                          </p:spTgt>
+                                        </p:tgtEl>
+                                      </p:cBhvr>
+                                    </p:animEffect>
+                                  </p:childTnLst>
+                                </p:cTn>
+                              </p:par>
+                              <p:par>
+                                <p:cTn id="26" presetID="10" presetClass="entr" presetSubtype="0" fill="hold" grpId="0" nodeType="withEffect">
+                                  <p:stCondLst>
+                                    <p:cond delay="0"/>
+                                  </p:stCondLst>
+                                  <p:childTnLst>
+                                    <p:set>
+                                      <p:cBhvr>
+                                        <p:cTn id="27" dur="1" fill="hold">
+                                          <p:stCondLst>
+                                            <p:cond delay="0"/>
+                                          </p:stCondLst>
+                                        </p:cTn>
+                                        <p:tgtEl>
+                                          <p:spTgt spid="5">
+                                            <p:txEl>
+                                              <p:pRg st="3" end="3"/>
+                                            </p:txEl>
+                                          </p:spTgt>
+                                        </p:tgtEl>
+                                        <p:attrNameLst>
+                                          <p:attrName>style.visibility</p:attrName>
+                                        </p:attrNameLst>
+                                      </p:cBhvr>
+                                      <p:to>
+                                        <p:strVal val="visible"/>
+                                      </p:to>
+                                    </p:set>
+                                    <p:animEffect transition="in" filter="fade">
+                                      <p:cBhvr>
+                                        <p:cTn id="28" dur="2000"/>
+                                        <p:tgtEl>
+                                          <p:spTgt spid="5">
+                                            <p:txEl>
+                                              <p:pRg st="3" end="3"/>
+                                            </p:txEl>
+                                          </p:spTgt>
+                                        </p:tgtEl>
+                                      </p:cBhvr>
+                                    </p:animEffect>
+                                  </p:childTnLst>
+                                </p:cTn>
+                              </p:par>
+                            </p:childTnLst>
+                          </p:cTn>
+                        </p:par>
+                      </p:childTnLst>
+                    </p:cTn>
+                  </p:par>
+                </p:childTnLst>
+              </p:cTn>
+              <p:prevCondLst>
+                <p:cond evt="onPrev" delay="0">
+                  <p:tgtEl>
+                    <p:sldTgt/>
+                  </p:tgtEl>
+                </p:cond>
+              </p:prevCondLst>
+              <p:nextCondLst>
+                <p:cond evt="onNext" delay="0">
+                  <p:tgtEl>
+                    <p:sldTgt/>
+                  </p:tgtEl>
+                </p:cond>
+              </p:nextCondLst>
+            </p:seq>
+          </p:childTnLst>
+        </p:cTn>
+      </p:par>
+    </p:tnLst>
+    <p:bldLst>
+      <p:bldP spid="4" grpId="0" build="allAtOnce"/>
+      <p:bldP spid="5" grpId="0" build="allAtOnce"/>
+    </p:bldLst>
+  </p:timing>
 </p:sld>
 </file>
 
@@ -4050,7 +6628,7 @@
           <a:p>
             <a:r>
               <a:rPr lang="en-US" dirty="0" smtClean="0"/>
-              <a:t>Atmosphere framework</a:t>
+              <a:t>AJAX (example)</a:t>
             </a:r>
             <a:endParaRPr lang="en-US" dirty="0"/>
           </a:p>
@@ -4058,19 +6636,497 @@
       </p:sp>
       <p:sp>
         <p:nvSpPr>
-          <p:cNvPr id="3" name="Content Placeholder 2"/>
-          <p:cNvSpPr>
-            <a:spLocks noGrp="1"/>
-          </p:cNvSpPr>
-          <p:nvPr>
-            <p:ph idx="1"/>
-          </p:nvPr>
-        </p:nvSpPr>
-        <p:spPr/>
-        <p:txBody>
-          <a:bodyPr/>
-          <a:lstStyle/>
-          <a:p>
+          <p:cNvPr id="4" name="Circular Arrow 3"/>
+          <p:cNvSpPr/>
+          <p:nvPr/>
+        </p:nvSpPr>
+        <p:spPr>
+          <a:xfrm rot="5400000">
+            <a:off x="6172200" y="2971800"/>
+            <a:ext cx="978408" cy="978408"/>
+          </a:xfrm>
+          <a:prstGeom prst="circularArrow">
+            <a:avLst>
+              <a:gd name="adj1" fmla="val 12500"/>
+              <a:gd name="adj2" fmla="val 1142319"/>
+              <a:gd name="adj3" fmla="val 20457681"/>
+              <a:gd name="adj4" fmla="val 823321"/>
+              <a:gd name="adj5" fmla="val 12500"/>
+            </a:avLst>
+          </a:prstGeom>
+        </p:spPr>
+        <p:style>
+          <a:lnRef idx="2">
+            <a:schemeClr val="accent1">
+              <a:shade val="50000"/>
+            </a:schemeClr>
+          </a:lnRef>
+          <a:fillRef idx="1">
+            <a:schemeClr val="accent1"/>
+          </a:fillRef>
+          <a:effectRef idx="0">
+            <a:schemeClr val="accent1"/>
+          </a:effectRef>
+          <a:fontRef idx="minor">
+            <a:schemeClr val="lt1"/>
+          </a:fontRef>
+        </p:style>
+        <p:txBody>
+          <a:bodyPr rtlCol="0" anchor="ctr"/>
+          <a:lstStyle/>
+          <a:p>
+            <a:pPr algn="ctr"/>
+            <a:endParaRPr lang="en-US" dirty="0">
+              <a:solidFill>
+                <a:schemeClr val="tx1"/>
+              </a:solidFill>
+            </a:endParaRPr>
+          </a:p>
+        </p:txBody>
+      </p:sp>
+      <p:sp>
+        <p:nvSpPr>
+          <p:cNvPr id="5" name="Flowchart: Magnetic Disk 4"/>
+          <p:cNvSpPr/>
+          <p:nvPr/>
+        </p:nvSpPr>
+        <p:spPr>
+          <a:xfrm>
+            <a:off x="7543800" y="4075176"/>
+            <a:ext cx="914400" cy="765048"/>
+          </a:xfrm>
+          <a:prstGeom prst="flowChartMagneticDisk">
+            <a:avLst/>
+          </a:prstGeom>
+        </p:spPr>
+        <p:style>
+          <a:lnRef idx="2">
+            <a:schemeClr val="accent1">
+              <a:shade val="50000"/>
+            </a:schemeClr>
+          </a:lnRef>
+          <a:fillRef idx="1">
+            <a:schemeClr val="accent1"/>
+          </a:fillRef>
+          <a:effectRef idx="0">
+            <a:schemeClr val="accent1"/>
+          </a:effectRef>
+          <a:fontRef idx="minor">
+            <a:schemeClr val="lt1"/>
+          </a:fontRef>
+        </p:style>
+        <p:txBody>
+          <a:bodyPr rtlCol="0" anchor="ctr"/>
+          <a:lstStyle/>
+          <a:p>
+            <a:pPr algn="ctr"/>
+            <a:r>
+              <a:rPr lang="en-US" dirty="0" err="1" smtClean="0"/>
+              <a:t>mySQL</a:t>
+            </a:r>
+            <a:endParaRPr lang="en-US" dirty="0" smtClean="0"/>
+          </a:p>
+          <a:p>
+            <a:pPr algn="ctr"/>
+            <a:r>
+              <a:rPr lang="en-US" dirty="0" smtClean="0"/>
+              <a:t>DB</a:t>
+            </a:r>
+            <a:endParaRPr lang="en-US" dirty="0"/>
+          </a:p>
+        </p:txBody>
+      </p:sp>
+      <p:sp>
+        <p:nvSpPr>
+          <p:cNvPr id="6" name="Circular Arrow 5"/>
+          <p:cNvSpPr/>
+          <p:nvPr/>
+        </p:nvSpPr>
+        <p:spPr>
+          <a:xfrm rot="5400000">
+            <a:off x="2895600" y="1981200"/>
+            <a:ext cx="2133600" cy="2133600"/>
+          </a:xfrm>
+          <a:prstGeom prst="circularArrow">
+            <a:avLst>
+              <a:gd name="adj1" fmla="val 12500"/>
+              <a:gd name="adj2" fmla="val 1142319"/>
+              <a:gd name="adj3" fmla="val 20457681"/>
+              <a:gd name="adj4" fmla="val 823321"/>
+              <a:gd name="adj5" fmla="val 12500"/>
+            </a:avLst>
+          </a:prstGeom>
+        </p:spPr>
+        <p:style>
+          <a:lnRef idx="2">
+            <a:schemeClr val="accent1">
+              <a:shade val="50000"/>
+            </a:schemeClr>
+          </a:lnRef>
+          <a:fillRef idx="1">
+            <a:schemeClr val="accent1"/>
+          </a:fillRef>
+          <a:effectRef idx="0">
+            <a:schemeClr val="accent1"/>
+          </a:effectRef>
+          <a:fontRef idx="minor">
+            <a:schemeClr val="lt1"/>
+          </a:fontRef>
+        </p:style>
+        <p:txBody>
+          <a:bodyPr rtlCol="0" anchor="ctr"/>
+          <a:lstStyle/>
+          <a:p>
+            <a:pPr algn="ctr"/>
+            <a:endParaRPr lang="en-US" dirty="0">
+              <a:solidFill>
+                <a:schemeClr val="tx1"/>
+              </a:solidFill>
+            </a:endParaRPr>
+          </a:p>
+        </p:txBody>
+      </p:sp>
+      <p:sp>
+        <p:nvSpPr>
+          <p:cNvPr id="7" name="Hexagon 6"/>
+          <p:cNvSpPr/>
+          <p:nvPr/>
+        </p:nvSpPr>
+        <p:spPr>
+          <a:xfrm>
+            <a:off x="3048000" y="4038600"/>
+            <a:ext cx="1828800" cy="838200"/>
+          </a:xfrm>
+          <a:prstGeom prst="hexagon">
+            <a:avLst/>
+          </a:prstGeom>
+        </p:spPr>
+        <p:style>
+          <a:lnRef idx="2">
+            <a:schemeClr val="accent1">
+              <a:shade val="50000"/>
+            </a:schemeClr>
+          </a:lnRef>
+          <a:fillRef idx="1">
+            <a:schemeClr val="accent1"/>
+          </a:fillRef>
+          <a:effectRef idx="0">
+            <a:schemeClr val="accent1"/>
+          </a:effectRef>
+          <a:fontRef idx="minor">
+            <a:schemeClr val="lt1"/>
+          </a:fontRef>
+        </p:style>
+        <p:txBody>
+          <a:bodyPr rtlCol="0" anchor="ctr"/>
+          <a:lstStyle/>
+          <a:p>
+            <a:pPr algn="ctr"/>
+            <a:r>
+              <a:rPr lang="en-US" dirty="0" smtClean="0"/>
+              <a:t>HTTP(AJAX)</a:t>
+            </a:r>
+          </a:p>
+          <a:p>
+            <a:pPr algn="ctr"/>
+            <a:r>
+              <a:rPr lang="en-US" dirty="0" smtClean="0"/>
+              <a:t>connection</a:t>
+            </a:r>
+            <a:endParaRPr lang="en-US" dirty="0"/>
+          </a:p>
+        </p:txBody>
+      </p:sp>
+      <p:sp>
+        <p:nvSpPr>
+          <p:cNvPr id="8" name="Hexagon 7"/>
+          <p:cNvSpPr/>
+          <p:nvPr/>
+        </p:nvSpPr>
+        <p:spPr>
+          <a:xfrm>
+            <a:off x="5791200" y="4038600"/>
+            <a:ext cx="1676400" cy="838200"/>
+          </a:xfrm>
+          <a:prstGeom prst="hexagon">
+            <a:avLst/>
+          </a:prstGeom>
+        </p:spPr>
+        <p:style>
+          <a:lnRef idx="2">
+            <a:schemeClr val="accent1">
+              <a:shade val="50000"/>
+            </a:schemeClr>
+          </a:lnRef>
+          <a:fillRef idx="1">
+            <a:schemeClr val="accent1"/>
+          </a:fillRef>
+          <a:effectRef idx="0">
+            <a:schemeClr val="accent1"/>
+          </a:effectRef>
+          <a:fontRef idx="minor">
+            <a:schemeClr val="lt1"/>
+          </a:fontRef>
+        </p:style>
+        <p:txBody>
+          <a:bodyPr rtlCol="0" anchor="ctr"/>
+          <a:lstStyle/>
+          <a:p>
+            <a:pPr algn="ctr"/>
+            <a:r>
+              <a:rPr lang="en-US" dirty="0" smtClean="0"/>
+              <a:t>DB</a:t>
+            </a:r>
+            <a:endParaRPr lang="en-US" dirty="0" smtClean="0"/>
+          </a:p>
+          <a:p>
+            <a:pPr algn="ctr"/>
+            <a:r>
+              <a:rPr lang="en-US" dirty="0" smtClean="0"/>
+              <a:t>connection</a:t>
+            </a:r>
+            <a:endParaRPr lang="en-US" dirty="0"/>
+          </a:p>
+        </p:txBody>
+      </p:sp>
+      <p:sp>
+        <p:nvSpPr>
+          <p:cNvPr id="9" name="Rounded Rectangle 8"/>
+          <p:cNvSpPr/>
+          <p:nvPr/>
+        </p:nvSpPr>
+        <p:spPr>
+          <a:xfrm>
+            <a:off x="4876800" y="4038600"/>
+            <a:ext cx="914400" cy="838200"/>
+          </a:xfrm>
+          <a:prstGeom prst="roundRect">
+            <a:avLst/>
+          </a:prstGeom>
+        </p:spPr>
+        <p:style>
+          <a:lnRef idx="2">
+            <a:schemeClr val="accent1">
+              <a:shade val="50000"/>
+            </a:schemeClr>
+          </a:lnRef>
+          <a:fillRef idx="1">
+            <a:schemeClr val="accent1"/>
+          </a:fillRef>
+          <a:effectRef idx="0">
+            <a:schemeClr val="accent1"/>
+          </a:effectRef>
+          <a:fontRef idx="minor">
+            <a:schemeClr val="lt1"/>
+          </a:fontRef>
+        </p:style>
+        <p:txBody>
+          <a:bodyPr rtlCol="0" anchor="ctr"/>
+          <a:lstStyle/>
+          <a:p>
+            <a:pPr algn="ctr"/>
+            <a:r>
+              <a:rPr lang="en-US" dirty="0" smtClean="0"/>
+              <a:t>PHP</a:t>
+            </a:r>
+          </a:p>
+          <a:p>
+            <a:pPr algn="ctr"/>
+            <a:r>
+              <a:rPr lang="en-US" dirty="0" smtClean="0"/>
+              <a:t>page</a:t>
+            </a:r>
+            <a:endParaRPr lang="en-US" dirty="0"/>
+          </a:p>
+        </p:txBody>
+      </p:sp>
+      <p:sp>
+        <p:nvSpPr>
+          <p:cNvPr id="10" name="Rounded Rectangle 9"/>
+          <p:cNvSpPr/>
+          <p:nvPr/>
+        </p:nvSpPr>
+        <p:spPr>
+          <a:xfrm>
+            <a:off x="1981200" y="3962400"/>
+            <a:ext cx="1066800" cy="990600"/>
+          </a:xfrm>
+          <a:prstGeom prst="roundRect">
+            <a:avLst/>
+          </a:prstGeom>
+        </p:spPr>
+        <p:style>
+          <a:lnRef idx="2">
+            <a:schemeClr val="accent1">
+              <a:shade val="50000"/>
+            </a:schemeClr>
+          </a:lnRef>
+          <a:fillRef idx="1">
+            <a:schemeClr val="accent1"/>
+          </a:fillRef>
+          <a:effectRef idx="0">
+            <a:schemeClr val="accent1"/>
+          </a:effectRef>
+          <a:fontRef idx="minor">
+            <a:schemeClr val="lt1"/>
+          </a:fontRef>
+        </p:style>
+        <p:txBody>
+          <a:bodyPr rtlCol="0" anchor="ctr"/>
+          <a:lstStyle/>
+          <a:p>
+            <a:pPr algn="ctr"/>
+            <a:r>
+              <a:rPr lang="en-US" dirty="0" smtClean="0"/>
+              <a:t>Main</a:t>
+            </a:r>
+          </a:p>
+          <a:p>
+            <a:pPr algn="ctr"/>
+            <a:r>
+              <a:rPr lang="en-US" dirty="0" smtClean="0"/>
+              <a:t>page</a:t>
+            </a:r>
+            <a:endParaRPr lang="en-US" dirty="0"/>
+          </a:p>
+        </p:txBody>
+      </p:sp>
+      <p:sp>
+        <p:nvSpPr>
+          <p:cNvPr id="11" name="TextBox 10"/>
+          <p:cNvSpPr txBox="1"/>
+          <p:nvPr/>
+        </p:nvSpPr>
+        <p:spPr>
+          <a:xfrm>
+            <a:off x="6324600" y="2057400"/>
+            <a:ext cx="914400" cy="923330"/>
+          </a:xfrm>
+          <a:prstGeom prst="rect">
+            <a:avLst/>
+          </a:prstGeom>
+          <a:noFill/>
+        </p:spPr>
+        <p:txBody>
+          <a:bodyPr wrap="square" rtlCol="0">
+            <a:spAutoFit/>
+          </a:bodyPr>
+          <a:lstStyle/>
+          <a:p>
+            <a:r>
+              <a:rPr lang="en-US" dirty="0" smtClean="0"/>
+              <a:t>Asks DB every 10ms</a:t>
+            </a:r>
+            <a:endParaRPr lang="en-US" dirty="0"/>
+          </a:p>
+        </p:txBody>
+      </p:sp>
+      <p:sp>
+        <p:nvSpPr>
+          <p:cNvPr id="12" name="TextBox 11"/>
+          <p:cNvSpPr txBox="1"/>
+          <p:nvPr/>
+        </p:nvSpPr>
+        <p:spPr>
+          <a:xfrm>
+            <a:off x="3276600" y="1219200"/>
+            <a:ext cx="1524000" cy="923330"/>
+          </a:xfrm>
+          <a:prstGeom prst="rect">
+            <a:avLst/>
+          </a:prstGeom>
+          <a:noFill/>
+        </p:spPr>
+        <p:txBody>
+          <a:bodyPr wrap="square" rtlCol="0">
+            <a:spAutoFit/>
+          </a:bodyPr>
+          <a:lstStyle/>
+          <a:p>
+            <a:r>
+              <a:rPr lang="en-US" dirty="0" smtClean="0"/>
+              <a:t>Re-establishes connection every 10s</a:t>
+            </a:r>
+            <a:endParaRPr lang="en-US" dirty="0"/>
+          </a:p>
+        </p:txBody>
+      </p:sp>
+      <p:sp>
+        <p:nvSpPr>
+          <p:cNvPr id="13" name="U-Turn Arrow 12"/>
+          <p:cNvSpPr/>
+          <p:nvPr/>
+        </p:nvSpPr>
+        <p:spPr>
+          <a:xfrm rot="10800000">
+            <a:off x="2438400" y="4953000"/>
+            <a:ext cx="3048000" cy="990600"/>
+          </a:xfrm>
+          <a:prstGeom prst="uturnArrow">
+            <a:avLst>
+              <a:gd name="adj1" fmla="val 25000"/>
+              <a:gd name="adj2" fmla="val 25000"/>
+              <a:gd name="adj3" fmla="val 25000"/>
+              <a:gd name="adj4" fmla="val 43750"/>
+              <a:gd name="adj5" fmla="val 97722"/>
+            </a:avLst>
+          </a:prstGeom>
+        </p:spPr>
+        <p:style>
+          <a:lnRef idx="2">
+            <a:schemeClr val="accent1">
+              <a:shade val="50000"/>
+            </a:schemeClr>
+          </a:lnRef>
+          <a:fillRef idx="1">
+            <a:schemeClr val="accent1"/>
+          </a:fillRef>
+          <a:effectRef idx="0">
+            <a:schemeClr val="accent1"/>
+          </a:effectRef>
+          <a:fontRef idx="minor">
+            <a:schemeClr val="lt1"/>
+          </a:fontRef>
+        </p:style>
+        <p:txBody>
+          <a:bodyPr rtlCol="0" anchor="ctr"/>
+          <a:lstStyle/>
+          <a:p>
+            <a:pPr algn="ctr"/>
+            <a:endParaRPr lang="en-US">
+              <a:solidFill>
+                <a:schemeClr val="tx1"/>
+              </a:solidFill>
+            </a:endParaRPr>
+          </a:p>
+        </p:txBody>
+      </p:sp>
+      <p:sp>
+        <p:nvSpPr>
+          <p:cNvPr id="14" name="TextBox 13"/>
+          <p:cNvSpPr txBox="1"/>
+          <p:nvPr/>
+        </p:nvSpPr>
+        <p:spPr>
+          <a:xfrm>
+            <a:off x="2590800" y="5943600"/>
+            <a:ext cx="2819400" cy="369332"/>
+          </a:xfrm>
+          <a:prstGeom prst="rect">
+            <a:avLst/>
+          </a:prstGeom>
+          <a:noFill/>
+        </p:spPr>
+        <p:txBody>
+          <a:bodyPr wrap="square" rtlCol="0">
+            <a:spAutoFit/>
+          </a:bodyPr>
+          <a:lstStyle/>
+          <a:p>
+            <a:r>
+              <a:rPr lang="en-US" dirty="0" smtClean="0"/>
+              <a:t>Returns on the first change</a:t>
+            </a:r>
             <a:endParaRPr lang="en-US" dirty="0"/>
           </a:p>
         </p:txBody>
@@ -4080,6 +7136,13 @@
   <p:clrMapOvr>
     <a:masterClrMapping/>
   </p:clrMapOvr>
+  <p:timing>
+    <p:tnLst>
+      <p:par>
+        <p:cTn id="1" dur="indefinite" restart="never" nodeType="tmRoot"/>
+      </p:par>
+    </p:tnLst>
+  </p:timing>
 </p:sld>
 </file>
 
@@ -4117,7 +7180,7 @@
           <a:p>
             <a:r>
               <a:rPr lang="en-US" dirty="0" smtClean="0"/>
-              <a:t>Thanks for your attention</a:t>
+              <a:t>Embedding java applet</a:t>
             </a:r>
             <a:endParaRPr lang="en-US" dirty="0"/>
           </a:p>
@@ -4125,12 +7188,12 @@
       </p:sp>
       <p:sp>
         <p:nvSpPr>
-          <p:cNvPr id="3" name="Content Placeholder 2"/>
-          <p:cNvSpPr>
-            <a:spLocks noGrp="1"/>
-          </p:cNvSpPr>
-          <p:nvPr>
-            <p:ph idx="1"/>
+          <p:cNvPr id="4" name="Content Placeholder 3"/>
+          <p:cNvSpPr>
+            <a:spLocks noGrp="1"/>
+          </p:cNvSpPr>
+          <p:nvPr>
+            <p:ph sz="half" idx="1"/>
           </p:nvPr>
         </p:nvSpPr>
         <p:spPr/>
@@ -4138,28 +7201,50 @@
           <a:bodyPr/>
           <a:lstStyle/>
           <a:p>
+            <a:pPr>
+              <a:buFont typeface="Calibri" pitchFamily="34" charset="0"/>
+              <a:buChar char="+"/>
+            </a:pPr>
             <a:r>
               <a:rPr lang="en-US" dirty="0" smtClean="0"/>
-              <a:t>The examples are in </a:t>
-            </a:r>
-            <a:r>
-              <a:rPr lang="en-US" dirty="0" smtClean="0">
-                <a:hlinkClick r:id="rId2"/>
-              </a:rPr>
-              <a:t>https://</a:t>
-            </a:r>
-            <a:r>
-              <a:rPr lang="en-US" dirty="0" smtClean="0">
-                <a:hlinkClick r:id="rId2"/>
-              </a:rPr>
-              <a:t>github.com/valdisxp1/websockets_samples</a:t>
-            </a:r>
-            <a:endParaRPr lang="en-US" dirty="0" smtClean="0"/>
-          </a:p>
-          <a:p>
+              <a:t>True socket support</a:t>
+            </a:r>
+          </a:p>
+          <a:p>
+            <a:pPr>
+              <a:buFont typeface="Calibri" pitchFamily="34" charset="0"/>
+              <a:buChar char="+"/>
+            </a:pPr>
             <a:r>
               <a:rPr lang="en-US" dirty="0" smtClean="0"/>
-              <a:t>Any other questions?</a:t>
+              <a:t>Can use the same protocol as the non-web application</a:t>
+            </a:r>
+            <a:endParaRPr lang="en-US" dirty="0"/>
+          </a:p>
+        </p:txBody>
+      </p:sp>
+      <p:sp>
+        <p:nvSpPr>
+          <p:cNvPr id="5" name="Content Placeholder 4"/>
+          <p:cNvSpPr>
+            <a:spLocks noGrp="1"/>
+          </p:cNvSpPr>
+          <p:nvPr>
+            <p:ph sz="half" idx="2"/>
+          </p:nvPr>
+        </p:nvSpPr>
+        <p:spPr/>
+        <p:txBody>
+          <a:bodyPr/>
+          <a:lstStyle/>
+          <a:p>
+            <a:pPr>
+              <a:buFont typeface="Calibri" pitchFamily="34" charset="0"/>
+              <a:buChar char="-"/>
+            </a:pPr>
+            <a:r>
+              <a:rPr lang="en-US" dirty="0" smtClean="0"/>
+              <a:t>Might as well use the applet</a:t>
             </a:r>
             <a:endParaRPr lang="en-US" dirty="0"/>
           </a:p>
@@ -4170,11 +7255,192 @@
   <p:clrMapOvr>
     <a:masterClrMapping/>
   </p:clrMapOvr>
+  <p:timing>
+    <p:tnLst>
+      <p:par>
+        <p:cTn id="1" dur="indefinite" restart="never" nodeType="tmRoot">
+          <p:childTnLst>
+            <p:seq concurrent="1" nextAc="seek">
+              <p:cTn id="2" dur="indefinite" nodeType="mainSeq">
+                <p:childTnLst>
+                  <p:par>
+                    <p:cTn id="3" fill="hold">
+                      <p:stCondLst>
+                        <p:cond delay="indefinite"/>
+                      </p:stCondLst>
+                      <p:childTnLst>
+                        <p:par>
+                          <p:cTn id="4" fill="hold">
+                            <p:stCondLst>
+                              <p:cond delay="0"/>
+                            </p:stCondLst>
+                            <p:childTnLst>
+                              <p:par>
+                                <p:cTn id="5" presetID="10" presetClass="entr" presetSubtype="0" fill="hold" grpId="0" nodeType="clickEffect">
+                                  <p:stCondLst>
+                                    <p:cond delay="0"/>
+                                  </p:stCondLst>
+                                  <p:childTnLst>
+                                    <p:set>
+                                      <p:cBhvr>
+                                        <p:cTn id="6" dur="1" fill="hold">
+                                          <p:stCondLst>
+                                            <p:cond delay="0"/>
+                                          </p:stCondLst>
+                                        </p:cTn>
+                                        <p:tgtEl>
+                                          <p:spTgt spid="4">
+                                            <p:txEl>
+                                              <p:pRg st="0" end="0"/>
+                                            </p:txEl>
+                                          </p:spTgt>
+                                        </p:tgtEl>
+                                        <p:attrNameLst>
+                                          <p:attrName>style.visibility</p:attrName>
+                                        </p:attrNameLst>
+                                      </p:cBhvr>
+                                      <p:to>
+                                        <p:strVal val="visible"/>
+                                      </p:to>
+                                    </p:set>
+                                    <p:animEffect transition="in" filter="fade">
+                                      <p:cBhvr>
+                                        <p:cTn id="7" dur="2000"/>
+                                        <p:tgtEl>
+                                          <p:spTgt spid="4">
+                                            <p:txEl>
+                                              <p:pRg st="0" end="0"/>
+                                            </p:txEl>
+                                          </p:spTgt>
+                                        </p:tgtEl>
+                                      </p:cBhvr>
+                                    </p:animEffect>
+                                  </p:childTnLst>
+                                </p:cTn>
+                              </p:par>
+                              <p:par>
+                                <p:cTn id="8" presetID="10" presetClass="entr" presetSubtype="0" fill="hold" grpId="0" nodeType="withEffect">
+                                  <p:stCondLst>
+                                    <p:cond delay="0"/>
+                                  </p:stCondLst>
+                                  <p:childTnLst>
+                                    <p:set>
+                                      <p:cBhvr>
+                                        <p:cTn id="9" dur="1" fill="hold">
+                                          <p:stCondLst>
+                                            <p:cond delay="0"/>
+                                          </p:stCondLst>
+                                        </p:cTn>
+                                        <p:tgtEl>
+                                          <p:spTgt spid="4">
+                                            <p:txEl>
+                                              <p:pRg st="1" end="1"/>
+                                            </p:txEl>
+                                          </p:spTgt>
+                                        </p:tgtEl>
+                                        <p:attrNameLst>
+                                          <p:attrName>style.visibility</p:attrName>
+                                        </p:attrNameLst>
+                                      </p:cBhvr>
+                                      <p:to>
+                                        <p:strVal val="visible"/>
+                                      </p:to>
+                                    </p:set>
+                                    <p:animEffect transition="in" filter="fade">
+                                      <p:cBhvr>
+                                        <p:cTn id="10" dur="2000"/>
+                                        <p:tgtEl>
+                                          <p:spTgt spid="4">
+                                            <p:txEl>
+                                              <p:pRg st="1" end="1"/>
+                                            </p:txEl>
+                                          </p:spTgt>
+                                        </p:tgtEl>
+                                      </p:cBhvr>
+                                    </p:animEffect>
+                                  </p:childTnLst>
+                                </p:cTn>
+                              </p:par>
+                              <p:par>
+                                <p:cTn id="11" presetID="10" presetClass="entr" presetSubtype="0" fill="hold" grpId="0" nodeType="withEffect">
+                                  <p:stCondLst>
+                                    <p:cond delay="0"/>
+                                  </p:stCondLst>
+                                  <p:childTnLst>
+                                    <p:set>
+                                      <p:cBhvr>
+                                        <p:cTn id="12" dur="1" fill="hold">
+                                          <p:stCondLst>
+                                            <p:cond delay="0"/>
+                                          </p:stCondLst>
+                                        </p:cTn>
+                                        <p:tgtEl>
+                                          <p:spTgt spid="5">
+                                            <p:txEl>
+                                              <p:pRg st="0" end="0"/>
+                                            </p:txEl>
+                                          </p:spTgt>
+                                        </p:tgtEl>
+                                        <p:attrNameLst>
+                                          <p:attrName>style.visibility</p:attrName>
+                                        </p:attrNameLst>
+                                      </p:cBhvr>
+                                      <p:to>
+                                        <p:strVal val="visible"/>
+                                      </p:to>
+                                    </p:set>
+                                    <p:animEffect transition="in" filter="fade">
+                                      <p:cBhvr>
+                                        <p:cTn id="13" dur="2000"/>
+                                        <p:tgtEl>
+                                          <p:spTgt spid="5">
+                                            <p:txEl>
+                                              <p:pRg st="0" end="0"/>
+                                            </p:txEl>
+                                          </p:spTgt>
+                                        </p:tgtEl>
+                                      </p:cBhvr>
+                                    </p:animEffect>
+                                  </p:childTnLst>
+                                </p:cTn>
+                              </p:par>
+                            </p:childTnLst>
+                          </p:cTn>
+                        </p:par>
+                      </p:childTnLst>
+                    </p:cTn>
+                  </p:par>
+                </p:childTnLst>
+              </p:cTn>
+              <p:prevCondLst>
+                <p:cond evt="onPrev" delay="0">
+                  <p:tgtEl>
+                    <p:sldTgt/>
+                  </p:tgtEl>
+                </p:cond>
+              </p:prevCondLst>
+              <p:nextCondLst>
+                <p:cond evt="onNext" delay="0">
+                  <p:tgtEl>
+                    <p:sldTgt/>
+                  </p:tgtEl>
+                </p:cond>
+              </p:nextCondLst>
+            </p:seq>
+          </p:childTnLst>
+        </p:cTn>
+      </p:par>
+    </p:tnLst>
+    <p:bldLst>
+      <p:bldP spid="4" grpId="0" build="allAtOnce"/>
+      <p:bldP spid="5" grpId="0" build="allAtOnce"/>
+    </p:bldLst>
+  </p:timing>
 </p:sld>
 </file>
 
 <file path=ppt/slides/slide9.xml><?xml version="1.0" encoding="utf-8"?>
-<p:sld xmlns:a="http://schemas.openxmlformats.org/drawingml/2006/main" xmlns:r="http://schemas.openxmlformats.org/officeDocument/2006/relationships" xmlns:p="http://schemas.openxmlformats.org/presentationml/2006/main" show="0">
+<p:sld xmlns:a="http://schemas.openxmlformats.org/drawingml/2006/main" xmlns:r="http://schemas.openxmlformats.org/officeDocument/2006/relationships" xmlns:p="http://schemas.openxmlformats.org/presentationml/2006/main">
   <p:cSld>
     <p:spTree>
       <p:nvGrpSpPr>
@@ -4192,7 +7458,7 @@
       </p:grpSpPr>
       <p:sp>
         <p:nvSpPr>
-          <p:cNvPr id="4" name="Title 3"/>
+          <p:cNvPr id="2" name="Title 1"/>
           <p:cNvSpPr>
             <a:spLocks noGrp="1"/>
           </p:cNvSpPr>
@@ -4206,8 +7472,8 @@
           <a:lstStyle/>
           <a:p>
             <a:r>
-              <a:rPr lang="en-US" dirty="0" smtClean="0"/>
-              <a:t>Filler slides</a:t>
+              <a:rPr lang="en-US" dirty="0" err="1" smtClean="0"/>
+              <a:t>Websockets</a:t>
             </a:r>
             <a:endParaRPr lang="en-US" dirty="0"/>
           </a:p>
@@ -4215,7 +7481,7 @@
       </p:sp>
       <p:sp>
         <p:nvSpPr>
-          <p:cNvPr id="5" name="Text Placeholder 4"/>
+          <p:cNvPr id="4" name="Text Placeholder 3"/>
           <p:cNvSpPr>
             <a:spLocks noGrp="1"/>
           </p:cNvSpPr>
@@ -4228,6 +7494,10 @@
           <a:bodyPr/>
           <a:lstStyle/>
           <a:p>
+            <a:r>
+              <a:rPr lang="en-US" dirty="0" err="1" smtClean="0"/>
+              <a:t>Gatis</a:t>
+            </a:r>
             <a:endParaRPr lang="en-US" dirty="0"/>
           </a:p>
         </p:txBody>
@@ -4237,7 +7507,13 @@
   <p:clrMapOvr>
     <a:masterClrMapping/>
   </p:clrMapOvr>
-  <p:transition/>
+  <p:timing>
+    <p:tnLst>
+      <p:par>
+        <p:cTn id="1" dur="indefinite" restart="never" nodeType="tmRoot"/>
+      </p:par>
+    </p:tnLst>
+  </p:timing>
 </p:sld>
 </file>
 

--- a/Atmoshere_and_websockets.pptx
+++ b/Atmoshere_and_websockets.pptx
@@ -205,6 +205,7 @@
           <a:p>
             <a:fld id="{8CC1716E-4D2C-40FE-8D90-F1D9B0432C97}" type="datetimeFigureOut">
               <a:rPr lang="en-US" smtClean="0"/>
+              <a:pPr/>
               <a:t>10/3/2012</a:t>
             </a:fld>
             <a:endParaRPr lang="en-US"/>
@@ -366,6 +367,7 @@
           <a:p>
             <a:fld id="{5B6968AB-E5CB-4C42-8BF7-269635AAB18D}" type="slidenum">
               <a:rPr lang="en-US" smtClean="0"/>
+              <a:pPr/>
               <a:t>‹#›</a:t>
             </a:fld>
             <a:endParaRPr lang="en-US"/>
@@ -537,6 +539,7 @@
           <a:p>
             <a:fld id="{5B6968AB-E5CB-4C42-8BF7-269635AAB18D}" type="slidenum">
               <a:rPr lang="en-US" smtClean="0"/>
+              <a:pPr/>
               <a:t>1</a:t>
             </a:fld>
             <a:endParaRPr lang="en-US"/>
@@ -3852,7 +3855,7 @@
                                 </p:cTn>
                               </p:par>
                               <p:par>
-                                <p:cTn id="14" presetID="10" presetClass="entr" presetSubtype="0" fill="hold" grpId="0" nodeType="withEffect">
+                                <p:cTn id="14" presetID="10" presetClass="entr" presetSubtype="0" fill="hold" nodeType="withEffect">
                                   <p:stCondLst>
                                     <p:cond delay="0"/>
                                   </p:stCondLst>
@@ -3962,11 +3965,7 @@
           <a:p>
             <a:r>
               <a:rPr lang="en-US" dirty="0" smtClean="0"/>
-              <a:t>Atmosphere </a:t>
-            </a:r>
-            <a:r>
-              <a:rPr lang="en-US" dirty="0" smtClean="0"/>
-              <a:t>framework (example)</a:t>
+              <a:t>Atmosphere framework (example)</a:t>
             </a:r>
             <a:endParaRPr lang="en-US" dirty="0"/>
           </a:p>
@@ -4193,13 +4192,7 @@
               <a:rPr lang="en-US" dirty="0" smtClean="0">
                 <a:hlinkClick r:id="rId2"/>
               </a:rPr>
-              <a:t>https://</a:t>
-            </a:r>
-            <a:r>
-              <a:rPr lang="en-US" dirty="0" smtClean="0">
-                <a:hlinkClick r:id="rId2"/>
-              </a:rPr>
-              <a:t>github.com/valdisxp1/websockets_samples</a:t>
+              <a:t>https://github.com/valdisxp1/websockets_samples</a:t>
             </a:r>
             <a:endParaRPr lang="en-US" dirty="0" smtClean="0"/>
           </a:p>
@@ -4921,7 +4914,15 @@
           <a:p>
             <a:r>
               <a:rPr lang="en-US" dirty="0" smtClean="0"/>
-              <a:t>In a web-based game multiple users(players) can control objects(characters) on shared screen.</a:t>
+              <a:t>In a web-based game multiple users(players) can control objects(characters) on </a:t>
+            </a:r>
+            <a:r>
+              <a:rPr lang="en-US" dirty="0" smtClean="0"/>
+              <a:t>shared </a:t>
+            </a:r>
+            <a:r>
+              <a:rPr lang="en-US" dirty="0" smtClean="0"/>
+              <a:t>screen.</a:t>
             </a:r>
           </a:p>
           <a:p>
@@ -5013,11 +5014,374 @@
             <p:ph idx="1"/>
           </p:nvPr>
         </p:nvSpPr>
-        <p:spPr/>
-        <p:txBody>
-          <a:bodyPr/>
-          <a:lstStyle/>
-          <a:p>
+        <p:spPr>
+          <a:xfrm>
+            <a:off x="457200" y="1371601"/>
+            <a:ext cx="8229600" cy="762000"/>
+          </a:xfrm>
+        </p:spPr>
+        <p:txBody>
+          <a:bodyPr>
+            <a:normAutofit fontScale="85000" lnSpcReduction="20000"/>
+          </a:bodyPr>
+          <a:lstStyle/>
+          <a:p>
+            <a:r>
+              <a:rPr lang="en-US" dirty="0" smtClean="0"/>
+              <a:t>A client-server, request-response protocol used in web pages</a:t>
+            </a:r>
+            <a:endParaRPr lang="en-US" dirty="0"/>
+          </a:p>
+        </p:txBody>
+      </p:sp>
+      <p:sp>
+        <p:nvSpPr>
+          <p:cNvPr id="6" name="Right Arrow 5"/>
+          <p:cNvSpPr/>
+          <p:nvPr/>
+        </p:nvSpPr>
+        <p:spPr>
+          <a:xfrm>
+            <a:off x="609600" y="5791200"/>
+            <a:ext cx="7315200" cy="685800"/>
+          </a:xfrm>
+          <a:prstGeom prst="rightArrow">
+            <a:avLst/>
+          </a:prstGeom>
+        </p:spPr>
+        <p:style>
+          <a:lnRef idx="2">
+            <a:schemeClr val="accent1">
+              <a:shade val="50000"/>
+            </a:schemeClr>
+          </a:lnRef>
+          <a:fillRef idx="1">
+            <a:schemeClr val="accent1"/>
+          </a:fillRef>
+          <a:effectRef idx="0">
+            <a:schemeClr val="accent1"/>
+          </a:effectRef>
+          <a:fontRef idx="minor">
+            <a:schemeClr val="lt1"/>
+          </a:fontRef>
+        </p:style>
+        <p:txBody>
+          <a:bodyPr rtlCol="0" anchor="ctr"/>
+          <a:lstStyle/>
+          <a:p>
+            <a:pPr algn="ctr"/>
+            <a:r>
+              <a:rPr lang="en-US" dirty="0" smtClean="0"/>
+              <a:t>TIME</a:t>
+            </a:r>
+            <a:endParaRPr lang="en-US" dirty="0"/>
+          </a:p>
+        </p:txBody>
+      </p:sp>
+      <p:sp>
+        <p:nvSpPr>
+          <p:cNvPr id="7" name="Rounded Rectangle 6"/>
+          <p:cNvSpPr/>
+          <p:nvPr/>
+        </p:nvSpPr>
+        <p:spPr>
+          <a:xfrm>
+            <a:off x="609600" y="2209800"/>
+            <a:ext cx="7162800" cy="838200"/>
+          </a:xfrm>
+          <a:prstGeom prst="roundRect">
+            <a:avLst/>
+          </a:prstGeom>
+        </p:spPr>
+        <p:style>
+          <a:lnRef idx="2">
+            <a:schemeClr val="accent1">
+              <a:shade val="50000"/>
+            </a:schemeClr>
+          </a:lnRef>
+          <a:fillRef idx="1">
+            <a:schemeClr val="accent1"/>
+          </a:fillRef>
+          <a:effectRef idx="0">
+            <a:schemeClr val="accent1"/>
+          </a:effectRef>
+          <a:fontRef idx="minor">
+            <a:schemeClr val="lt1"/>
+          </a:fontRef>
+        </p:style>
+        <p:txBody>
+          <a:bodyPr rtlCol="0" anchor="ctr"/>
+          <a:lstStyle/>
+          <a:p>
+            <a:pPr algn="ctr"/>
+            <a:r>
+              <a:rPr lang="en-US" dirty="0" smtClean="0"/>
+              <a:t>Server</a:t>
+            </a:r>
+            <a:endParaRPr lang="en-US" dirty="0"/>
+          </a:p>
+        </p:txBody>
+      </p:sp>
+      <p:sp>
+        <p:nvSpPr>
+          <p:cNvPr id="8" name="Rounded Rectangle 7"/>
+          <p:cNvSpPr/>
+          <p:nvPr/>
+        </p:nvSpPr>
+        <p:spPr>
+          <a:xfrm>
+            <a:off x="609600" y="4876800"/>
+            <a:ext cx="7162800" cy="838200"/>
+          </a:xfrm>
+          <a:prstGeom prst="roundRect">
+            <a:avLst/>
+          </a:prstGeom>
+        </p:spPr>
+        <p:style>
+          <a:lnRef idx="2">
+            <a:schemeClr val="accent1">
+              <a:shade val="50000"/>
+            </a:schemeClr>
+          </a:lnRef>
+          <a:fillRef idx="1">
+            <a:schemeClr val="accent1"/>
+          </a:fillRef>
+          <a:effectRef idx="0">
+            <a:schemeClr val="accent1"/>
+          </a:effectRef>
+          <a:fontRef idx="minor">
+            <a:schemeClr val="lt1"/>
+          </a:fontRef>
+        </p:style>
+        <p:txBody>
+          <a:bodyPr rtlCol="0" anchor="ctr"/>
+          <a:lstStyle/>
+          <a:p>
+            <a:pPr algn="ctr"/>
+            <a:r>
+              <a:rPr lang="en-US" dirty="0" smtClean="0"/>
+              <a:t>Client</a:t>
+            </a:r>
+            <a:endParaRPr lang="en-US" dirty="0"/>
+          </a:p>
+        </p:txBody>
+      </p:sp>
+      <p:sp>
+        <p:nvSpPr>
+          <p:cNvPr id="9" name="Up Arrow 8"/>
+          <p:cNvSpPr/>
+          <p:nvPr/>
+        </p:nvSpPr>
+        <p:spPr>
+          <a:xfrm>
+            <a:off x="609600" y="3124200"/>
+            <a:ext cx="1981200" cy="1676400"/>
+          </a:xfrm>
+          <a:prstGeom prst="upArrow">
+            <a:avLst/>
+          </a:prstGeom>
+        </p:spPr>
+        <p:style>
+          <a:lnRef idx="2">
+            <a:schemeClr val="accent1">
+              <a:shade val="50000"/>
+            </a:schemeClr>
+          </a:lnRef>
+          <a:fillRef idx="1">
+            <a:schemeClr val="accent1"/>
+          </a:fillRef>
+          <a:effectRef idx="0">
+            <a:schemeClr val="accent1"/>
+          </a:effectRef>
+          <a:fontRef idx="minor">
+            <a:schemeClr val="lt1"/>
+          </a:fontRef>
+        </p:style>
+        <p:txBody>
+          <a:bodyPr rtlCol="0" anchor="ctr"/>
+          <a:lstStyle/>
+          <a:p>
+            <a:pPr algn="ctr"/>
+            <a:r>
+              <a:rPr lang="en-US" dirty="0" smtClean="0"/>
+              <a:t>Request</a:t>
+            </a:r>
+            <a:endParaRPr lang="en-US" dirty="0"/>
+          </a:p>
+        </p:txBody>
+      </p:sp>
+      <p:sp>
+        <p:nvSpPr>
+          <p:cNvPr id="11" name="Down Arrow 10"/>
+          <p:cNvSpPr/>
+          <p:nvPr/>
+        </p:nvSpPr>
+        <p:spPr>
+          <a:xfrm>
+            <a:off x="4343400" y="3886200"/>
+            <a:ext cx="1600200" cy="990600"/>
+          </a:xfrm>
+          <a:prstGeom prst="downArrow">
+            <a:avLst/>
+          </a:prstGeom>
+        </p:spPr>
+        <p:style>
+          <a:lnRef idx="2">
+            <a:schemeClr val="accent1">
+              <a:shade val="50000"/>
+            </a:schemeClr>
+          </a:lnRef>
+          <a:fillRef idx="1">
+            <a:schemeClr val="accent1"/>
+          </a:fillRef>
+          <a:effectRef idx="0">
+            <a:schemeClr val="accent1"/>
+          </a:effectRef>
+          <a:fontRef idx="minor">
+            <a:schemeClr val="lt1"/>
+          </a:fontRef>
+        </p:style>
+        <p:txBody>
+          <a:bodyPr rtlCol="0" anchor="ctr"/>
+          <a:lstStyle/>
+          <a:p>
+            <a:pPr algn="ctr"/>
+            <a:r>
+              <a:rPr lang="en-US" dirty="0" smtClean="0"/>
+              <a:t>Flush</a:t>
+            </a:r>
+            <a:endParaRPr lang="en-US" dirty="0"/>
+          </a:p>
+        </p:txBody>
+      </p:sp>
+      <p:sp>
+        <p:nvSpPr>
+          <p:cNvPr id="12" name="Down Arrow 11"/>
+          <p:cNvSpPr/>
+          <p:nvPr/>
+        </p:nvSpPr>
+        <p:spPr>
+          <a:xfrm>
+            <a:off x="2667000" y="3886200"/>
+            <a:ext cx="1600200" cy="990600"/>
+          </a:xfrm>
+          <a:prstGeom prst="downArrow">
+            <a:avLst/>
+          </a:prstGeom>
+        </p:spPr>
+        <p:style>
+          <a:lnRef idx="2">
+            <a:schemeClr val="accent1">
+              <a:shade val="50000"/>
+            </a:schemeClr>
+          </a:lnRef>
+          <a:fillRef idx="1">
+            <a:schemeClr val="accent1"/>
+          </a:fillRef>
+          <a:effectRef idx="0">
+            <a:schemeClr val="accent1"/>
+          </a:effectRef>
+          <a:fontRef idx="minor">
+            <a:schemeClr val="lt1"/>
+          </a:fontRef>
+        </p:style>
+        <p:txBody>
+          <a:bodyPr rtlCol="0" anchor="ctr"/>
+          <a:lstStyle/>
+          <a:p>
+            <a:pPr algn="ctr"/>
+            <a:r>
+              <a:rPr lang="en-US" dirty="0" smtClean="0"/>
+              <a:t>Flush</a:t>
+            </a:r>
+            <a:endParaRPr lang="en-US" dirty="0"/>
+          </a:p>
+        </p:txBody>
+      </p:sp>
+      <p:sp>
+        <p:nvSpPr>
+          <p:cNvPr id="13" name="Down Arrow 12"/>
+          <p:cNvSpPr/>
+          <p:nvPr/>
+        </p:nvSpPr>
+        <p:spPr>
+          <a:xfrm>
+            <a:off x="2895600" y="3124200"/>
+            <a:ext cx="4724400" cy="685800"/>
+          </a:xfrm>
+          <a:prstGeom prst="downArrow">
+            <a:avLst/>
+          </a:prstGeom>
+        </p:spPr>
+        <p:style>
+          <a:lnRef idx="2">
+            <a:schemeClr val="accent1">
+              <a:shade val="50000"/>
+            </a:schemeClr>
+          </a:lnRef>
+          <a:fillRef idx="1">
+            <a:schemeClr val="accent1"/>
+          </a:fillRef>
+          <a:effectRef idx="0">
+            <a:schemeClr val="accent1"/>
+          </a:effectRef>
+          <a:fontRef idx="minor">
+            <a:schemeClr val="lt1"/>
+          </a:fontRef>
+        </p:style>
+        <p:txBody>
+          <a:bodyPr rtlCol="0" anchor="ctr"/>
+          <a:lstStyle/>
+          <a:p>
+            <a:pPr algn="ctr"/>
+            <a:r>
+              <a:rPr lang="en-US" dirty="0" smtClean="0"/>
+              <a:t>Response</a:t>
+            </a:r>
+            <a:endParaRPr lang="en-US" dirty="0"/>
+          </a:p>
+        </p:txBody>
+      </p:sp>
+      <p:sp>
+        <p:nvSpPr>
+          <p:cNvPr id="14" name="Down Arrow 13"/>
+          <p:cNvSpPr/>
+          <p:nvPr/>
+        </p:nvSpPr>
+        <p:spPr>
+          <a:xfrm>
+            <a:off x="6172200" y="3810000"/>
+            <a:ext cx="1524000" cy="1066800"/>
+          </a:xfrm>
+          <a:prstGeom prst="downArrow">
+            <a:avLst/>
+          </a:prstGeom>
+        </p:spPr>
+        <p:style>
+          <a:lnRef idx="2">
+            <a:schemeClr val="accent1">
+              <a:shade val="50000"/>
+            </a:schemeClr>
+          </a:lnRef>
+          <a:fillRef idx="1">
+            <a:schemeClr val="accent1"/>
+          </a:fillRef>
+          <a:effectRef idx="0">
+            <a:schemeClr val="accent1"/>
+          </a:effectRef>
+          <a:fontRef idx="minor">
+            <a:schemeClr val="lt1"/>
+          </a:fontRef>
+        </p:style>
+        <p:txBody>
+          <a:bodyPr rtlCol="0" anchor="ctr"/>
+          <a:lstStyle/>
+          <a:p>
+            <a:pPr algn="ctr"/>
+            <a:r>
+              <a:rPr lang="en-US" dirty="0" smtClean="0"/>
+              <a:t>Done</a:t>
+            </a:r>
             <a:endParaRPr lang="en-US" dirty="0"/>
           </a:p>
         </p:txBody>
@@ -5027,6 +5391,680 @@
   <p:clrMapOvr>
     <a:masterClrMapping/>
   </p:clrMapOvr>
+  <p:timing>
+    <p:tnLst>
+      <p:par>
+        <p:cTn id="1" dur="indefinite" restart="never" nodeType="tmRoot">
+          <p:childTnLst>
+            <p:seq concurrent="1" nextAc="seek">
+              <p:cTn id="2" dur="indefinite" nodeType="mainSeq">
+                <p:childTnLst>
+                  <p:par>
+                    <p:cTn id="3" fill="hold">
+                      <p:stCondLst>
+                        <p:cond delay="indefinite"/>
+                      </p:stCondLst>
+                      <p:childTnLst>
+                        <p:par>
+                          <p:cTn id="4" fill="hold">
+                            <p:stCondLst>
+                              <p:cond delay="0"/>
+                            </p:stCondLst>
+                            <p:childTnLst>
+                              <p:par>
+                                <p:cTn id="5" presetID="2" presetClass="entr" presetSubtype="8" fill="hold" grpId="0" nodeType="clickEffect">
+                                  <p:stCondLst>
+                                    <p:cond delay="0"/>
+                                  </p:stCondLst>
+                                  <p:childTnLst>
+                                    <p:set>
+                                      <p:cBhvr>
+                                        <p:cTn id="6" dur="1" fill="hold">
+                                          <p:stCondLst>
+                                            <p:cond delay="0"/>
+                                          </p:stCondLst>
+                                        </p:cTn>
+                                        <p:tgtEl>
+                                          <p:spTgt spid="6"/>
+                                        </p:tgtEl>
+                                        <p:attrNameLst>
+                                          <p:attrName>style.visibility</p:attrName>
+                                        </p:attrNameLst>
+                                      </p:cBhvr>
+                                      <p:to>
+                                        <p:strVal val="visible"/>
+                                      </p:to>
+                                    </p:set>
+                                    <p:anim calcmode="lin" valueType="num">
+                                      <p:cBhvr additive="base">
+                                        <p:cTn id="7" dur="500" fill="hold"/>
+                                        <p:tgtEl>
+                                          <p:spTgt spid="6"/>
+                                        </p:tgtEl>
+                                        <p:attrNameLst>
+                                          <p:attrName>ppt_x</p:attrName>
+                                        </p:attrNameLst>
+                                      </p:cBhvr>
+                                      <p:tavLst>
+                                        <p:tav tm="0">
+                                          <p:val>
+                                            <p:strVal val="0-#ppt_w/2"/>
+                                          </p:val>
+                                        </p:tav>
+                                        <p:tav tm="100000">
+                                          <p:val>
+                                            <p:strVal val="#ppt_x"/>
+                                          </p:val>
+                                        </p:tav>
+                                      </p:tavLst>
+                                    </p:anim>
+                                    <p:anim calcmode="lin" valueType="num">
+                                      <p:cBhvr additive="base">
+                                        <p:cTn id="8" dur="500" fill="hold"/>
+                                        <p:tgtEl>
+                                          <p:spTgt spid="6"/>
+                                        </p:tgtEl>
+                                        <p:attrNameLst>
+                                          <p:attrName>ppt_y</p:attrName>
+                                        </p:attrNameLst>
+                                      </p:cBhvr>
+                                      <p:tavLst>
+                                        <p:tav tm="0">
+                                          <p:val>
+                                            <p:strVal val="#ppt_y"/>
+                                          </p:val>
+                                        </p:tav>
+                                        <p:tav tm="100000">
+                                          <p:val>
+                                            <p:strVal val="#ppt_y"/>
+                                          </p:val>
+                                        </p:tav>
+                                      </p:tavLst>
+                                    </p:anim>
+                                  </p:childTnLst>
+                                </p:cTn>
+                              </p:par>
+                            </p:childTnLst>
+                          </p:cTn>
+                        </p:par>
+                      </p:childTnLst>
+                    </p:cTn>
+                  </p:par>
+                  <p:par>
+                    <p:cTn id="9" fill="hold">
+                      <p:stCondLst>
+                        <p:cond delay="indefinite"/>
+                      </p:stCondLst>
+                      <p:childTnLst>
+                        <p:par>
+                          <p:cTn id="10" fill="hold">
+                            <p:stCondLst>
+                              <p:cond delay="0"/>
+                            </p:stCondLst>
+                            <p:childTnLst>
+                              <p:par>
+                                <p:cTn id="11" presetID="10" presetClass="entr" presetSubtype="0" fill="hold" grpId="0" nodeType="clickEffect">
+                                  <p:stCondLst>
+                                    <p:cond delay="0"/>
+                                  </p:stCondLst>
+                                  <p:childTnLst>
+                                    <p:set>
+                                      <p:cBhvr>
+                                        <p:cTn id="12" dur="1" fill="hold">
+                                          <p:stCondLst>
+                                            <p:cond delay="0"/>
+                                          </p:stCondLst>
+                                        </p:cTn>
+                                        <p:tgtEl>
+                                          <p:spTgt spid="7"/>
+                                        </p:tgtEl>
+                                        <p:attrNameLst>
+                                          <p:attrName>style.visibility</p:attrName>
+                                        </p:attrNameLst>
+                                      </p:cBhvr>
+                                      <p:to>
+                                        <p:strVal val="visible"/>
+                                      </p:to>
+                                    </p:set>
+                                    <p:animEffect transition="in" filter="fade">
+                                      <p:cBhvr>
+                                        <p:cTn id="13" dur="1000"/>
+                                        <p:tgtEl>
+                                          <p:spTgt spid="7"/>
+                                        </p:tgtEl>
+                                      </p:cBhvr>
+                                    </p:animEffect>
+                                  </p:childTnLst>
+                                </p:cTn>
+                              </p:par>
+                              <p:par>
+                                <p:cTn id="14" presetID="10" presetClass="entr" presetSubtype="0" fill="hold" grpId="0" nodeType="withEffect">
+                                  <p:stCondLst>
+                                    <p:cond delay="0"/>
+                                  </p:stCondLst>
+                                  <p:childTnLst>
+                                    <p:set>
+                                      <p:cBhvr>
+                                        <p:cTn id="15" dur="1" fill="hold">
+                                          <p:stCondLst>
+                                            <p:cond delay="0"/>
+                                          </p:stCondLst>
+                                        </p:cTn>
+                                        <p:tgtEl>
+                                          <p:spTgt spid="8"/>
+                                        </p:tgtEl>
+                                        <p:attrNameLst>
+                                          <p:attrName>style.visibility</p:attrName>
+                                        </p:attrNameLst>
+                                      </p:cBhvr>
+                                      <p:to>
+                                        <p:strVal val="visible"/>
+                                      </p:to>
+                                    </p:set>
+                                    <p:animEffect transition="in" filter="fade">
+                                      <p:cBhvr>
+                                        <p:cTn id="16" dur="1000"/>
+                                        <p:tgtEl>
+                                          <p:spTgt spid="8"/>
+                                        </p:tgtEl>
+                                      </p:cBhvr>
+                                    </p:animEffect>
+                                  </p:childTnLst>
+                                </p:cTn>
+                              </p:par>
+                            </p:childTnLst>
+                          </p:cTn>
+                        </p:par>
+                      </p:childTnLst>
+                    </p:cTn>
+                  </p:par>
+                  <p:par>
+                    <p:cTn id="17" fill="hold">
+                      <p:stCondLst>
+                        <p:cond delay="indefinite"/>
+                      </p:stCondLst>
+                      <p:childTnLst>
+                        <p:par>
+                          <p:cTn id="18" fill="hold">
+                            <p:stCondLst>
+                              <p:cond delay="0"/>
+                            </p:stCondLst>
+                            <p:childTnLst>
+                              <p:par>
+                                <p:cTn id="19" presetID="2" presetClass="entr" presetSubtype="4" fill="hold" grpId="0" nodeType="clickEffect">
+                                  <p:stCondLst>
+                                    <p:cond delay="0"/>
+                                  </p:stCondLst>
+                                  <p:childTnLst>
+                                    <p:set>
+                                      <p:cBhvr>
+                                        <p:cTn id="20" dur="1" fill="hold">
+                                          <p:stCondLst>
+                                            <p:cond delay="0"/>
+                                          </p:stCondLst>
+                                        </p:cTn>
+                                        <p:tgtEl>
+                                          <p:spTgt spid="9"/>
+                                        </p:tgtEl>
+                                        <p:attrNameLst>
+                                          <p:attrName>style.visibility</p:attrName>
+                                        </p:attrNameLst>
+                                      </p:cBhvr>
+                                      <p:to>
+                                        <p:strVal val="visible"/>
+                                      </p:to>
+                                    </p:set>
+                                    <p:anim calcmode="lin" valueType="num">
+                                      <p:cBhvr additive="base">
+                                        <p:cTn id="21" dur="500" fill="hold"/>
+                                        <p:tgtEl>
+                                          <p:spTgt spid="9"/>
+                                        </p:tgtEl>
+                                        <p:attrNameLst>
+                                          <p:attrName>ppt_x</p:attrName>
+                                        </p:attrNameLst>
+                                      </p:cBhvr>
+                                      <p:tavLst>
+                                        <p:tav tm="0">
+                                          <p:val>
+                                            <p:strVal val="#ppt_x"/>
+                                          </p:val>
+                                        </p:tav>
+                                        <p:tav tm="100000">
+                                          <p:val>
+                                            <p:strVal val="#ppt_x"/>
+                                          </p:val>
+                                        </p:tav>
+                                      </p:tavLst>
+                                    </p:anim>
+                                    <p:anim calcmode="lin" valueType="num">
+                                      <p:cBhvr additive="base">
+                                        <p:cTn id="22" dur="500" fill="hold"/>
+                                        <p:tgtEl>
+                                          <p:spTgt spid="9"/>
+                                        </p:tgtEl>
+                                        <p:attrNameLst>
+                                          <p:attrName>ppt_y</p:attrName>
+                                        </p:attrNameLst>
+                                      </p:cBhvr>
+                                      <p:tavLst>
+                                        <p:tav tm="0">
+                                          <p:val>
+                                            <p:strVal val="1+#ppt_h/2"/>
+                                          </p:val>
+                                        </p:tav>
+                                        <p:tav tm="100000">
+                                          <p:val>
+                                            <p:strVal val="#ppt_y"/>
+                                          </p:val>
+                                        </p:tav>
+                                      </p:tavLst>
+                                    </p:anim>
+                                  </p:childTnLst>
+                                </p:cTn>
+                              </p:par>
+                            </p:childTnLst>
+                          </p:cTn>
+                        </p:par>
+                      </p:childTnLst>
+                    </p:cTn>
+                  </p:par>
+                  <p:par>
+                    <p:cTn id="23" fill="hold">
+                      <p:stCondLst>
+                        <p:cond delay="indefinite"/>
+                      </p:stCondLst>
+                      <p:childTnLst>
+                        <p:par>
+                          <p:cTn id="24" fill="hold">
+                            <p:stCondLst>
+                              <p:cond delay="0"/>
+                            </p:stCondLst>
+                            <p:childTnLst>
+                              <p:par>
+                                <p:cTn id="25" presetID="2" presetClass="entr" presetSubtype="1" fill="hold" grpId="0" nodeType="clickEffect">
+                                  <p:stCondLst>
+                                    <p:cond delay="0"/>
+                                  </p:stCondLst>
+                                  <p:childTnLst>
+                                    <p:set>
+                                      <p:cBhvr>
+                                        <p:cTn id="26" dur="1" fill="hold">
+                                          <p:stCondLst>
+                                            <p:cond delay="0"/>
+                                          </p:stCondLst>
+                                        </p:cTn>
+                                        <p:tgtEl>
+                                          <p:spTgt spid="13"/>
+                                        </p:tgtEl>
+                                        <p:attrNameLst>
+                                          <p:attrName>style.visibility</p:attrName>
+                                        </p:attrNameLst>
+                                      </p:cBhvr>
+                                      <p:to>
+                                        <p:strVal val="visible"/>
+                                      </p:to>
+                                    </p:set>
+                                    <p:anim calcmode="lin" valueType="num">
+                                      <p:cBhvr additive="base">
+                                        <p:cTn id="27" dur="500" fill="hold"/>
+                                        <p:tgtEl>
+                                          <p:spTgt spid="13"/>
+                                        </p:tgtEl>
+                                        <p:attrNameLst>
+                                          <p:attrName>ppt_x</p:attrName>
+                                        </p:attrNameLst>
+                                      </p:cBhvr>
+                                      <p:tavLst>
+                                        <p:tav tm="0">
+                                          <p:val>
+                                            <p:strVal val="#ppt_x"/>
+                                          </p:val>
+                                        </p:tav>
+                                        <p:tav tm="100000">
+                                          <p:val>
+                                            <p:strVal val="#ppt_x"/>
+                                          </p:val>
+                                        </p:tav>
+                                      </p:tavLst>
+                                    </p:anim>
+                                    <p:anim calcmode="lin" valueType="num">
+                                      <p:cBhvr additive="base">
+                                        <p:cTn id="28" dur="500" fill="hold"/>
+                                        <p:tgtEl>
+                                          <p:spTgt spid="13"/>
+                                        </p:tgtEl>
+                                        <p:attrNameLst>
+                                          <p:attrName>ppt_y</p:attrName>
+                                        </p:attrNameLst>
+                                      </p:cBhvr>
+                                      <p:tavLst>
+                                        <p:tav tm="0">
+                                          <p:val>
+                                            <p:strVal val="0-#ppt_h/2"/>
+                                          </p:val>
+                                        </p:tav>
+                                        <p:tav tm="100000">
+                                          <p:val>
+                                            <p:strVal val="#ppt_y"/>
+                                          </p:val>
+                                        </p:tav>
+                                      </p:tavLst>
+                                    </p:anim>
+                                  </p:childTnLst>
+                                </p:cTn>
+                              </p:par>
+                            </p:childTnLst>
+                          </p:cTn>
+                        </p:par>
+                      </p:childTnLst>
+                    </p:cTn>
+                  </p:par>
+                  <p:par>
+                    <p:cTn id="29" fill="hold">
+                      <p:stCondLst>
+                        <p:cond delay="indefinite"/>
+                      </p:stCondLst>
+                      <p:childTnLst>
+                        <p:par>
+                          <p:cTn id="30" fill="hold">
+                            <p:stCondLst>
+                              <p:cond delay="0"/>
+                            </p:stCondLst>
+                            <p:childTnLst>
+                              <p:par>
+                                <p:cTn id="31" presetID="2" presetClass="entr" presetSubtype="1" fill="hold" grpId="0" nodeType="clickEffect">
+                                  <p:stCondLst>
+                                    <p:cond delay="0"/>
+                                  </p:stCondLst>
+                                  <p:childTnLst>
+                                    <p:set>
+                                      <p:cBhvr>
+                                        <p:cTn id="32" dur="1" fill="hold">
+                                          <p:stCondLst>
+                                            <p:cond delay="0"/>
+                                          </p:stCondLst>
+                                        </p:cTn>
+                                        <p:tgtEl>
+                                          <p:spTgt spid="12"/>
+                                        </p:tgtEl>
+                                        <p:attrNameLst>
+                                          <p:attrName>style.visibility</p:attrName>
+                                        </p:attrNameLst>
+                                      </p:cBhvr>
+                                      <p:to>
+                                        <p:strVal val="visible"/>
+                                      </p:to>
+                                    </p:set>
+                                    <p:anim calcmode="lin" valueType="num">
+                                      <p:cBhvr additive="base">
+                                        <p:cTn id="33" dur="500" fill="hold"/>
+                                        <p:tgtEl>
+                                          <p:spTgt spid="12"/>
+                                        </p:tgtEl>
+                                        <p:attrNameLst>
+                                          <p:attrName>ppt_x</p:attrName>
+                                        </p:attrNameLst>
+                                      </p:cBhvr>
+                                      <p:tavLst>
+                                        <p:tav tm="0">
+                                          <p:val>
+                                            <p:strVal val="#ppt_x"/>
+                                          </p:val>
+                                        </p:tav>
+                                        <p:tav tm="100000">
+                                          <p:val>
+                                            <p:strVal val="#ppt_x"/>
+                                          </p:val>
+                                        </p:tav>
+                                      </p:tavLst>
+                                    </p:anim>
+                                    <p:anim calcmode="lin" valueType="num">
+                                      <p:cBhvr additive="base">
+                                        <p:cTn id="34" dur="500" fill="hold"/>
+                                        <p:tgtEl>
+                                          <p:spTgt spid="12"/>
+                                        </p:tgtEl>
+                                        <p:attrNameLst>
+                                          <p:attrName>ppt_y</p:attrName>
+                                        </p:attrNameLst>
+                                      </p:cBhvr>
+                                      <p:tavLst>
+                                        <p:tav tm="0">
+                                          <p:val>
+                                            <p:strVal val="0-#ppt_h/2"/>
+                                          </p:val>
+                                        </p:tav>
+                                        <p:tav tm="100000">
+                                          <p:val>
+                                            <p:strVal val="#ppt_y"/>
+                                          </p:val>
+                                        </p:tav>
+                                      </p:tavLst>
+                                    </p:anim>
+                                  </p:childTnLst>
+                                </p:cTn>
+                              </p:par>
+                            </p:childTnLst>
+                          </p:cTn>
+                        </p:par>
+                      </p:childTnLst>
+                    </p:cTn>
+                  </p:par>
+                  <p:par>
+                    <p:cTn id="35" fill="hold">
+                      <p:stCondLst>
+                        <p:cond delay="indefinite"/>
+                      </p:stCondLst>
+                      <p:childTnLst>
+                        <p:par>
+                          <p:cTn id="36" fill="hold">
+                            <p:stCondLst>
+                              <p:cond delay="0"/>
+                            </p:stCondLst>
+                            <p:childTnLst>
+                              <p:par>
+                                <p:cTn id="37" presetID="2" presetClass="entr" presetSubtype="1" fill="hold" grpId="0" nodeType="clickEffect">
+                                  <p:stCondLst>
+                                    <p:cond delay="0"/>
+                                  </p:stCondLst>
+                                  <p:childTnLst>
+                                    <p:set>
+                                      <p:cBhvr>
+                                        <p:cTn id="38" dur="1" fill="hold">
+                                          <p:stCondLst>
+                                            <p:cond delay="0"/>
+                                          </p:stCondLst>
+                                        </p:cTn>
+                                        <p:tgtEl>
+                                          <p:spTgt spid="11"/>
+                                        </p:tgtEl>
+                                        <p:attrNameLst>
+                                          <p:attrName>style.visibility</p:attrName>
+                                        </p:attrNameLst>
+                                      </p:cBhvr>
+                                      <p:to>
+                                        <p:strVal val="visible"/>
+                                      </p:to>
+                                    </p:set>
+                                    <p:anim calcmode="lin" valueType="num">
+                                      <p:cBhvr additive="base">
+                                        <p:cTn id="39" dur="500" fill="hold"/>
+                                        <p:tgtEl>
+                                          <p:spTgt spid="11"/>
+                                        </p:tgtEl>
+                                        <p:attrNameLst>
+                                          <p:attrName>ppt_x</p:attrName>
+                                        </p:attrNameLst>
+                                      </p:cBhvr>
+                                      <p:tavLst>
+                                        <p:tav tm="0">
+                                          <p:val>
+                                            <p:strVal val="#ppt_x"/>
+                                          </p:val>
+                                        </p:tav>
+                                        <p:tav tm="100000">
+                                          <p:val>
+                                            <p:strVal val="#ppt_x"/>
+                                          </p:val>
+                                        </p:tav>
+                                      </p:tavLst>
+                                    </p:anim>
+                                    <p:anim calcmode="lin" valueType="num">
+                                      <p:cBhvr additive="base">
+                                        <p:cTn id="40" dur="500" fill="hold"/>
+                                        <p:tgtEl>
+                                          <p:spTgt spid="11"/>
+                                        </p:tgtEl>
+                                        <p:attrNameLst>
+                                          <p:attrName>ppt_y</p:attrName>
+                                        </p:attrNameLst>
+                                      </p:cBhvr>
+                                      <p:tavLst>
+                                        <p:tav tm="0">
+                                          <p:val>
+                                            <p:strVal val="0-#ppt_h/2"/>
+                                          </p:val>
+                                        </p:tav>
+                                        <p:tav tm="100000">
+                                          <p:val>
+                                            <p:strVal val="#ppt_y"/>
+                                          </p:val>
+                                        </p:tav>
+                                      </p:tavLst>
+                                    </p:anim>
+                                  </p:childTnLst>
+                                </p:cTn>
+                              </p:par>
+                            </p:childTnLst>
+                          </p:cTn>
+                        </p:par>
+                      </p:childTnLst>
+                    </p:cTn>
+                  </p:par>
+                  <p:par>
+                    <p:cTn id="41" fill="hold">
+                      <p:stCondLst>
+                        <p:cond delay="indefinite"/>
+                      </p:stCondLst>
+                      <p:childTnLst>
+                        <p:par>
+                          <p:cTn id="42" fill="hold">
+                            <p:stCondLst>
+                              <p:cond delay="0"/>
+                            </p:stCondLst>
+                            <p:childTnLst>
+                              <p:par>
+                                <p:cTn id="43" presetID="2" presetClass="entr" presetSubtype="1" fill="hold" grpId="0" nodeType="clickEffect">
+                                  <p:stCondLst>
+                                    <p:cond delay="0"/>
+                                  </p:stCondLst>
+                                  <p:childTnLst>
+                                    <p:set>
+                                      <p:cBhvr>
+                                        <p:cTn id="44" dur="1" fill="hold">
+                                          <p:stCondLst>
+                                            <p:cond delay="0"/>
+                                          </p:stCondLst>
+                                        </p:cTn>
+                                        <p:tgtEl>
+                                          <p:spTgt spid="14"/>
+                                        </p:tgtEl>
+                                        <p:attrNameLst>
+                                          <p:attrName>style.visibility</p:attrName>
+                                        </p:attrNameLst>
+                                      </p:cBhvr>
+                                      <p:to>
+                                        <p:strVal val="visible"/>
+                                      </p:to>
+                                    </p:set>
+                                    <p:anim calcmode="lin" valueType="num">
+                                      <p:cBhvr additive="base">
+                                        <p:cTn id="45" dur="500" fill="hold"/>
+                                        <p:tgtEl>
+                                          <p:spTgt spid="14"/>
+                                        </p:tgtEl>
+                                        <p:attrNameLst>
+                                          <p:attrName>ppt_x</p:attrName>
+                                        </p:attrNameLst>
+                                      </p:cBhvr>
+                                      <p:tavLst>
+                                        <p:tav tm="0">
+                                          <p:val>
+                                            <p:strVal val="#ppt_x"/>
+                                          </p:val>
+                                        </p:tav>
+                                        <p:tav tm="100000">
+                                          <p:val>
+                                            <p:strVal val="#ppt_x"/>
+                                          </p:val>
+                                        </p:tav>
+                                      </p:tavLst>
+                                    </p:anim>
+                                    <p:anim calcmode="lin" valueType="num">
+                                      <p:cBhvr additive="base">
+                                        <p:cTn id="46" dur="500" fill="hold"/>
+                                        <p:tgtEl>
+                                          <p:spTgt spid="14"/>
+                                        </p:tgtEl>
+                                        <p:attrNameLst>
+                                          <p:attrName>ppt_y</p:attrName>
+                                        </p:attrNameLst>
+                                      </p:cBhvr>
+                                      <p:tavLst>
+                                        <p:tav tm="0">
+                                          <p:val>
+                                            <p:strVal val="0-#ppt_h/2"/>
+                                          </p:val>
+                                        </p:tav>
+                                        <p:tav tm="100000">
+                                          <p:val>
+                                            <p:strVal val="#ppt_y"/>
+                                          </p:val>
+                                        </p:tav>
+                                      </p:tavLst>
+                                    </p:anim>
+                                  </p:childTnLst>
+                                </p:cTn>
+                              </p:par>
+                            </p:childTnLst>
+                          </p:cTn>
+                        </p:par>
+                      </p:childTnLst>
+                    </p:cTn>
+                  </p:par>
+                </p:childTnLst>
+              </p:cTn>
+              <p:prevCondLst>
+                <p:cond evt="onPrev" delay="0">
+                  <p:tgtEl>
+                    <p:sldTgt/>
+                  </p:tgtEl>
+                </p:cond>
+              </p:prevCondLst>
+              <p:nextCondLst>
+                <p:cond evt="onNext" delay="0">
+                  <p:tgtEl>
+                    <p:sldTgt/>
+                  </p:tgtEl>
+                </p:cond>
+              </p:nextCondLst>
+            </p:seq>
+          </p:childTnLst>
+        </p:cTn>
+      </p:par>
+    </p:tnLst>
+    <p:bldLst>
+      <p:bldP spid="6" grpId="0" animBg="1"/>
+      <p:bldP spid="7" grpId="0" animBg="1"/>
+      <p:bldP spid="8" grpId="0" animBg="1"/>
+      <p:bldP spid="9" grpId="0" animBg="1"/>
+      <p:bldP spid="11" grpId="0" animBg="1"/>
+      <p:bldP spid="12" grpId="0" animBg="1"/>
+      <p:bldP spid="13" grpId="0" animBg="1"/>
+      <p:bldP spid="14" grpId="0" animBg="1"/>
+    </p:bldLst>
+  </p:timing>
 </p:sld>
 </file>
 
@@ -5153,8 +6191,8 @@
               <a:buChar char="-"/>
             </a:pPr>
             <a:r>
-              <a:rPr lang="en-US" smtClean="0"/>
-              <a:t>Relative </a:t>
+              <a:rPr lang="en-US" dirty="0" smtClean="0"/>
+              <a:t>Relative addresses for multiple directories are problems</a:t>
             </a:r>
             <a:endParaRPr lang="en-US" dirty="0"/>
           </a:p>
@@ -5434,11 +6472,7 @@
             </a:r>
             <a:r>
               <a:rPr lang="en-US" dirty="0" smtClean="0"/>
-              <a:t> </a:t>
-            </a:r>
-            <a:r>
-              <a:rPr lang="en-US" dirty="0" smtClean="0"/>
-              <a:t>trick(example)</a:t>
+              <a:t> trick(example)</a:t>
             </a:r>
             <a:endParaRPr lang="en-US" dirty="0"/>
           </a:p>
@@ -5636,7 +6670,6 @@
               <a:rPr lang="en-US" dirty="0" smtClean="0"/>
               <a:t>DB</a:t>
             </a:r>
-            <a:endParaRPr lang="en-US" dirty="0" smtClean="0"/>
           </a:p>
           <a:p>
             <a:pPr algn="ctr"/>
@@ -6877,7 +7910,6 @@
               <a:rPr lang="en-US" dirty="0" smtClean="0"/>
               <a:t>DB</a:t>
             </a:r>
-            <a:endParaRPr lang="en-US" dirty="0" smtClean="0"/>
           </a:p>
           <a:p>
             <a:pPr algn="ctr"/>

--- a/Atmoshere_and_websockets.pptx
+++ b/Atmoshere_and_websockets.pptx
@@ -5218,7 +5218,7 @@
         </p:nvSpPr>
         <p:spPr>
           <a:xfrm>
-            <a:off x="4343400" y="3886200"/>
+            <a:off x="4267200" y="3200400"/>
             <a:ext cx="1600200" cy="990600"/>
           </a:xfrm>
           <a:prstGeom prst="downArrow">
@@ -5262,7 +5262,7 @@
         </p:nvSpPr>
         <p:spPr>
           <a:xfrm>
-            <a:off x="2667000" y="3886200"/>
+            <a:off x="2590800" y="3200400"/>
             <a:ext cx="1600200" cy="990600"/>
           </a:xfrm>
           <a:prstGeom prst="downArrow">
@@ -5306,7 +5306,7 @@
         </p:nvSpPr>
         <p:spPr>
           <a:xfrm>
-            <a:off x="2895600" y="3124200"/>
+            <a:off x="2743200" y="4191000"/>
             <a:ext cx="4724400" cy="685800"/>
           </a:xfrm>
           <a:prstGeom prst="downArrow">
@@ -5350,7 +5350,7 @@
         </p:nvSpPr>
         <p:spPr>
           <a:xfrm>
-            <a:off x="6172200" y="3810000"/>
+            <a:off x="6096000" y="3124200"/>
             <a:ext cx="1524000" cy="1066800"/>
           </a:xfrm>
           <a:prstGeom prst="downArrow">

--- a/Atmoshere_and_websockets.pptx
+++ b/Atmoshere_and_websockets.pptx
@@ -3565,7 +3565,7 @@
           <a:p>
             <a:r>
               <a:rPr lang="lv-LV" dirty="0" smtClean="0"/>
-              <a:t>Gatis</a:t>
+              <a:t>Gatis Jansons</a:t>
             </a:r>
             <a:endParaRPr lang="en-US" dirty="0"/>
           </a:p>
@@ -4914,15 +4914,7 @@
           <a:p>
             <a:r>
               <a:rPr lang="en-US" dirty="0" smtClean="0"/>
-              <a:t>In a web-based game multiple users(players) can control objects(characters) on </a:t>
-            </a:r>
-            <a:r>
-              <a:rPr lang="en-US" dirty="0" smtClean="0"/>
-              <a:t>shared </a:t>
-            </a:r>
-            <a:r>
-              <a:rPr lang="en-US" dirty="0" smtClean="0"/>
-              <a:t>screen.</a:t>
+              <a:t>In a web-based game multiple users(players) can control objects(characters) on shared screen.</a:t>
             </a:r>
           </a:p>
           <a:p>
@@ -8530,6 +8522,10 @@
               <a:rPr lang="en-US" dirty="0" err="1" smtClean="0"/>
               <a:t>Gatis</a:t>
             </a:r>
+            <a:r>
+              <a:rPr lang="lv-LV" dirty="0" smtClean="0"/>
+              <a:t> Jansons</a:t>
+            </a:r>
             <a:endParaRPr lang="en-US" dirty="0"/>
           </a:p>
         </p:txBody>

--- a/Atmoshere_and_websockets.pptx
+++ b/Atmoshere_and_websockets.pptx
@@ -206,7 +206,7 @@
             <a:fld id="{8CC1716E-4D2C-40FE-8D90-F1D9B0432C97}" type="datetimeFigureOut">
               <a:rPr lang="en-US" smtClean="0"/>
               <a:pPr/>
-              <a:t>10/3/2012</a:t>
+              <a:t>10/8/2012</a:t>
             </a:fld>
             <a:endParaRPr lang="en-US"/>
           </a:p>
@@ -736,7 +736,7 @@
             <a:fld id="{1D8BD707-D9CF-40AE-B4C6-C98DA3205C09}" type="datetimeFigureOut">
               <a:rPr lang="en-US" smtClean="0"/>
               <a:pPr/>
-              <a:t>10/3/2012</a:t>
+              <a:t>10/8/2012</a:t>
             </a:fld>
             <a:endParaRPr lang="en-US"/>
           </a:p>
@@ -903,7 +903,7 @@
             <a:fld id="{1D8BD707-D9CF-40AE-B4C6-C98DA3205C09}" type="datetimeFigureOut">
               <a:rPr lang="en-US" smtClean="0"/>
               <a:pPr/>
-              <a:t>10/3/2012</a:t>
+              <a:t>10/8/2012</a:t>
             </a:fld>
             <a:endParaRPr lang="en-US"/>
           </a:p>
@@ -1080,7 +1080,7 @@
             <a:fld id="{1D8BD707-D9CF-40AE-B4C6-C98DA3205C09}" type="datetimeFigureOut">
               <a:rPr lang="en-US" smtClean="0"/>
               <a:pPr/>
-              <a:t>10/3/2012</a:t>
+              <a:t>10/8/2012</a:t>
             </a:fld>
             <a:endParaRPr lang="en-US"/>
           </a:p>
@@ -1247,7 +1247,7 @@
             <a:fld id="{1D8BD707-D9CF-40AE-B4C6-C98DA3205C09}" type="datetimeFigureOut">
               <a:rPr lang="en-US" smtClean="0"/>
               <a:pPr/>
-              <a:t>10/3/2012</a:t>
+              <a:t>10/8/2012</a:t>
             </a:fld>
             <a:endParaRPr lang="en-US"/>
           </a:p>
@@ -1490,7 +1490,7 @@
             <a:fld id="{1D8BD707-D9CF-40AE-B4C6-C98DA3205C09}" type="datetimeFigureOut">
               <a:rPr lang="en-US" smtClean="0"/>
               <a:pPr/>
-              <a:t>10/3/2012</a:t>
+              <a:t>10/8/2012</a:t>
             </a:fld>
             <a:endParaRPr lang="en-US"/>
           </a:p>
@@ -1775,7 +1775,7 @@
             <a:fld id="{1D8BD707-D9CF-40AE-B4C6-C98DA3205C09}" type="datetimeFigureOut">
               <a:rPr lang="en-US" smtClean="0"/>
               <a:pPr/>
-              <a:t>10/3/2012</a:t>
+              <a:t>10/8/2012</a:t>
             </a:fld>
             <a:endParaRPr lang="en-US"/>
           </a:p>
@@ -2194,7 +2194,7 @@
             <a:fld id="{1D8BD707-D9CF-40AE-B4C6-C98DA3205C09}" type="datetimeFigureOut">
               <a:rPr lang="en-US" smtClean="0"/>
               <a:pPr/>
-              <a:t>10/3/2012</a:t>
+              <a:t>10/8/2012</a:t>
             </a:fld>
             <a:endParaRPr lang="en-US"/>
           </a:p>
@@ -2309,7 +2309,7 @@
             <a:fld id="{1D8BD707-D9CF-40AE-B4C6-C98DA3205C09}" type="datetimeFigureOut">
               <a:rPr lang="en-US" smtClean="0"/>
               <a:pPr/>
-              <a:t>10/3/2012</a:t>
+              <a:t>10/8/2012</a:t>
             </a:fld>
             <a:endParaRPr lang="en-US"/>
           </a:p>
@@ -2401,7 +2401,7 @@
             <a:fld id="{1D8BD707-D9CF-40AE-B4C6-C98DA3205C09}" type="datetimeFigureOut">
               <a:rPr lang="en-US" smtClean="0"/>
               <a:pPr/>
-              <a:t>10/3/2012</a:t>
+              <a:t>10/8/2012</a:t>
             </a:fld>
             <a:endParaRPr lang="en-US"/>
           </a:p>
@@ -2675,7 +2675,7 @@
             <a:fld id="{1D8BD707-D9CF-40AE-B4C6-C98DA3205C09}" type="datetimeFigureOut">
               <a:rPr lang="en-US" smtClean="0"/>
               <a:pPr/>
-              <a:t>10/3/2012</a:t>
+              <a:t>10/8/2012</a:t>
             </a:fld>
             <a:endParaRPr lang="en-US"/>
           </a:p>
@@ -2925,7 +2925,7 @@
             <a:fld id="{1D8BD707-D9CF-40AE-B4C6-C98DA3205C09}" type="datetimeFigureOut">
               <a:rPr lang="en-US" smtClean="0"/>
               <a:pPr/>
-              <a:t>10/3/2012</a:t>
+              <a:t>10/8/2012</a:t>
             </a:fld>
             <a:endParaRPr lang="en-US"/>
           </a:p>
@@ -3135,7 +3135,7 @@
             <a:fld id="{1D8BD707-D9CF-40AE-B4C6-C98DA3205C09}" type="datetimeFigureOut">
               <a:rPr lang="en-US" smtClean="0"/>
               <a:pPr/>
-              <a:t>10/3/2012</a:t>
+              <a:t>10/8/2012</a:t>
             </a:fld>
             <a:endParaRPr lang="en-US"/>
           </a:p>
@@ -3647,8 +3647,13 @@
             </a:pPr>
             <a:r>
               <a:rPr lang="en-US" b="1" dirty="0" smtClean="0"/>
-              <a:t>Uses multiple technologies and does fallback</a:t>
-            </a:r>
+              <a:t>Uses multiple technologies and does </a:t>
+            </a:r>
+            <a:r>
+              <a:rPr lang="en-US" b="1" dirty="0" smtClean="0"/>
+              <a:t>fallback</a:t>
+            </a:r>
+            <a:endParaRPr lang="lv-LV" b="1" dirty="0" smtClean="0"/>
           </a:p>
           <a:p>
             <a:pPr>
@@ -3657,8 +3662,13 @@
             </a:pPr>
             <a:r>
               <a:rPr lang="en-US" dirty="0" smtClean="0"/>
-              <a:t>Open source (apache 2 license)</a:t>
-            </a:r>
+              <a:t>Has </a:t>
+            </a:r>
+            <a:r>
+              <a:rPr lang="en-US" dirty="0" err="1" smtClean="0"/>
+              <a:t>websockets</a:t>
+            </a:r>
+            <a:endParaRPr lang="en-US" dirty="0" smtClean="0"/>
           </a:p>
           <a:p>
             <a:pPr>
@@ -3667,6 +3677,16 @@
             </a:pPr>
             <a:r>
               <a:rPr lang="en-US" dirty="0" smtClean="0"/>
+              <a:t>Open source (apache 2 license)</a:t>
+            </a:r>
+          </a:p>
+          <a:p>
+            <a:pPr>
+              <a:buFont typeface="Calibri" pitchFamily="34" charset="0"/>
+              <a:buChar char="+"/>
+            </a:pPr>
+            <a:r>
+              <a:rPr lang="en-US" dirty="0" smtClean="0"/>
               <a:t>Simple maven dependency</a:t>
             </a:r>
             <a:endParaRPr lang="en-US" dirty="0"/>
@@ -3694,7 +3714,37 @@
             </a:pPr>
             <a:r>
               <a:rPr lang="en-US" dirty="0" smtClean="0"/>
-              <a:t>Not intended to get or post to ordinary web pages</a:t>
+              <a:t>Must use java </a:t>
+            </a:r>
+            <a:r>
+              <a:rPr lang="en-US" dirty="0" err="1" smtClean="0"/>
+              <a:t>servlets</a:t>
+            </a:r>
+            <a:r>
+              <a:rPr lang="en-US" dirty="0" smtClean="0"/>
+              <a:t> (cannot use static </a:t>
+            </a:r>
+            <a:r>
+              <a:rPr lang="en-US" dirty="0" err="1" smtClean="0"/>
+              <a:t>webpages</a:t>
+            </a:r>
+            <a:r>
+              <a:rPr lang="en-US" dirty="0" smtClean="0"/>
+              <a:t>)</a:t>
+            </a:r>
+          </a:p>
+          <a:p>
+            <a:pPr>
+              <a:buFont typeface="Calibri" pitchFamily="34" charset="0"/>
+              <a:buChar char="-"/>
+            </a:pPr>
+            <a:r>
+              <a:rPr lang="en-US" dirty="0" smtClean="0"/>
+              <a:t>All t</a:t>
+            </a:r>
+            <a:r>
+              <a:rPr lang="en-US" dirty="0" smtClean="0"/>
+              <a:t>utorials assume experience with maven</a:t>
             </a:r>
             <a:endParaRPr lang="en-US" dirty="0"/>
           </a:p>
@@ -3855,7 +3905,7 @@
                                 </p:cTn>
                               </p:par>
                               <p:par>
-                                <p:cTn id="14" presetID="10" presetClass="entr" presetSubtype="0" fill="hold" nodeType="withEffect">
+                                <p:cTn id="14" presetID="10" presetClass="entr" presetSubtype="0" fill="hold" grpId="0" nodeType="withEffect">
                                   <p:stCondLst>
                                     <p:cond delay="0"/>
                                   </p:stCondLst>
@@ -3863,6 +3913,49 @@
                                     <p:set>
                                       <p:cBhvr>
                                         <p:cTn id="15" dur="1" fill="hold">
+                                          <p:stCondLst>
+                                            <p:cond delay="0"/>
+                                          </p:stCondLst>
+                                        </p:cTn>
+                                        <p:tgtEl>
+                                          <p:spTgt spid="4">
+                                            <p:txEl>
+                                              <p:pRg st="3" end="3"/>
+                                            </p:txEl>
+                                          </p:spTgt>
+                                        </p:tgtEl>
+                                        <p:attrNameLst>
+                                          <p:attrName>style.visibility</p:attrName>
+                                        </p:attrNameLst>
+                                      </p:cBhvr>
+                                      <p:to>
+                                        <p:strVal val="visible"/>
+                                      </p:to>
+                                    </p:set>
+                                    <p:animEffect transition="in" filter="fade">
+                                      <p:cBhvr>
+                                        <p:cTn id="16" dur="2000"/>
+                                        <p:tgtEl>
+                                          <p:spTgt spid="4">
+                                            <p:txEl>
+                                              <p:pRg st="3" end="3"/>
+                                            </p:txEl>
+                                          </p:spTgt>
+                                        </p:tgtEl>
+                                      </p:cBhvr>
+                                    </p:animEffect>
+                                  </p:childTnLst>
+                                </p:cTn>
+                              </p:par>
+                              <p:par>
+                                <p:cTn id="17" presetID="10" presetClass="entr" presetSubtype="0" fill="hold" nodeType="withEffect">
+                                  <p:stCondLst>
+                                    <p:cond delay="0"/>
+                                  </p:stCondLst>
+                                  <p:childTnLst>
+                                    <p:set>
+                                      <p:cBhvr>
+                                        <p:cTn id="18" dur="1" fill="hold">
                                           <p:stCondLst>
                                             <p:cond delay="0"/>
                                           </p:stCondLst>
@@ -3884,11 +3977,54 @@
                                     </p:set>
                                     <p:animEffect transition="in" filter="fade">
                                       <p:cBhvr>
-                                        <p:cTn id="16" dur="2000"/>
+                                        <p:cTn id="19" dur="2000"/>
                                         <p:tgtEl>
                                           <p:spTgt spid="5">
                                             <p:txEl>
                                               <p:pRg st="0" end="0"/>
+                                            </p:txEl>
+                                          </p:spTgt>
+                                        </p:tgtEl>
+                                      </p:cBhvr>
+                                    </p:animEffect>
+                                  </p:childTnLst>
+                                </p:cTn>
+                              </p:par>
+                              <p:par>
+                                <p:cTn id="20" presetID="10" presetClass="entr" presetSubtype="0" fill="hold" nodeType="withEffect">
+                                  <p:stCondLst>
+                                    <p:cond delay="0"/>
+                                  </p:stCondLst>
+                                  <p:childTnLst>
+                                    <p:set>
+                                      <p:cBhvr>
+                                        <p:cTn id="21" dur="1" fill="hold">
+                                          <p:stCondLst>
+                                            <p:cond delay="0"/>
+                                          </p:stCondLst>
+                                        </p:cTn>
+                                        <p:tgtEl>
+                                          <p:spTgt spid="5">
+                                            <p:txEl>
+                                              <p:pRg st="1" end="1"/>
+                                            </p:txEl>
+                                          </p:spTgt>
+                                        </p:tgtEl>
+                                        <p:attrNameLst>
+                                          <p:attrName>style.visibility</p:attrName>
+                                        </p:attrNameLst>
+                                      </p:cBhvr>
+                                      <p:to>
+                                        <p:strVal val="visible"/>
+                                      </p:to>
+                                    </p:set>
+                                    <p:animEffect transition="in" filter="fade">
+                                      <p:cBhvr>
+                                        <p:cTn id="22" dur="2000"/>
+                                        <p:tgtEl>
+                                          <p:spTgt spid="5">
+                                            <p:txEl>
+                                              <p:pRg st="1" end="1"/>
                                             </p:txEl>
                                           </p:spTgt>
                                         </p:tgtEl>
